--- a/images/onebyone_container/Network_Namespace/Network_Namespace.pptx
+++ b/images/onebyone_container/Network_Namespace/Network_Namespace.pptx
@@ -5,13 +5,14 @@
     <p:sldMasterId id="2147483648" r:id="rId1"/>
   </p:sldMasterIdLst>
   <p:notesMasterIdLst>
-    <p:notesMasterId r:id="rId6"/>
+    <p:notesMasterId r:id="rId7"/>
   </p:notesMasterIdLst>
   <p:sldIdLst>
     <p:sldId id="424" r:id="rId2"/>
-    <p:sldId id="426" r:id="rId3"/>
-    <p:sldId id="427" r:id="rId4"/>
-    <p:sldId id="425" r:id="rId5"/>
+    <p:sldId id="428" r:id="rId3"/>
+    <p:sldId id="426" r:id="rId4"/>
+    <p:sldId id="427" r:id="rId5"/>
+    <p:sldId id="425" r:id="rId6"/>
   </p:sldIdLst>
   <p:sldSz cx="9144000" cy="5143500" type="screen16x9"/>
   <p:notesSz cx="6858000" cy="9144000"/>
@@ -13065,7 +13066,7 @@
           <a:p>
             <a:fld id="{6CD5550B-26C4-49A9-A5BA-636EF7BE6CE9}" type="datetimeFigureOut">
               <a:rPr lang="ko-KR" altLang="en-US" smtClean="0"/>
-              <a:t>2020-05-02</a:t>
+              <a:t>2020-05-10</a:t>
             </a:fld>
             <a:endParaRPr lang="ko-KR" altLang="en-US"/>
           </a:p>
@@ -13513,7 +13514,7 @@
           <a:p>
             <a:fld id="{BA5DFA43-8D57-47FB-BC46-057616015C3B}" type="slidenum">
               <a:rPr lang="ko-KR" altLang="en-US" smtClean="0"/>
-              <a:t>3</a:t>
+              <a:t>2</a:t>
             </a:fld>
             <a:endParaRPr lang="ko-KR" altLang="en-US"/>
           </a:p>
@@ -13522,7 +13523,7 @@
     </p:spTree>
     <p:extLst>
       <p:ext uri="{BB962C8B-B14F-4D97-AF65-F5344CB8AC3E}">
-        <p14:creationId xmlns:p14="http://schemas.microsoft.com/office/powerpoint/2010/main" val="2128997100"/>
+        <p14:creationId xmlns:p14="http://schemas.microsoft.com/office/powerpoint/2010/main" val="280141639"/>
       </p:ext>
     </p:extLst>
   </p:cSld>
@@ -13614,6 +13615,106 @@
             <a:fld id="{BA5DFA43-8D57-47FB-BC46-057616015C3B}" type="slidenum">
               <a:rPr lang="ko-KR" altLang="en-US" smtClean="0"/>
               <a:t>4</a:t>
+            </a:fld>
+            <a:endParaRPr lang="ko-KR" altLang="en-US"/>
+          </a:p>
+        </p:txBody>
+      </p:sp>
+    </p:spTree>
+    <p:extLst>
+      <p:ext uri="{BB962C8B-B14F-4D97-AF65-F5344CB8AC3E}">
+        <p14:creationId xmlns:p14="http://schemas.microsoft.com/office/powerpoint/2010/main" val="2128997100"/>
+      </p:ext>
+    </p:extLst>
+  </p:cSld>
+  <p:clrMapOvr>
+    <a:masterClrMapping/>
+  </p:clrMapOvr>
+</p:notes>
+</file>
+
+<file path=ppt/notesSlides/notesSlide4.xml><?xml version="1.0" encoding="utf-8"?>
+<p:notes xmlns:a="http://schemas.openxmlformats.org/drawingml/2006/main" xmlns:r="http://schemas.openxmlformats.org/officeDocument/2006/relationships" xmlns:p="http://schemas.openxmlformats.org/presentationml/2006/main">
+  <p:cSld>
+    <p:spTree>
+      <p:nvGrpSpPr>
+        <p:cNvPr id="1" name=""/>
+        <p:cNvGrpSpPr/>
+        <p:nvPr/>
+      </p:nvGrpSpPr>
+      <p:grpSpPr>
+        <a:xfrm>
+          <a:off x="0" y="0"/>
+          <a:ext cx="0" cy="0"/>
+          <a:chOff x="0" y="0"/>
+          <a:chExt cx="0" cy="0"/>
+        </a:xfrm>
+      </p:grpSpPr>
+      <p:sp>
+        <p:nvSpPr>
+          <p:cNvPr id="2" name="슬라이드 이미지 개체 틀 1"/>
+          <p:cNvSpPr>
+            <a:spLocks noGrp="1" noRot="1" noChangeAspect="1"/>
+          </p:cNvSpPr>
+          <p:nvPr>
+            <p:ph type="sldImg"/>
+          </p:nvPr>
+        </p:nvSpPr>
+        <p:spPr/>
+      </p:sp>
+      <p:sp>
+        <p:nvSpPr>
+          <p:cNvPr id="3" name="슬라이드 노트 개체 틀 2"/>
+          <p:cNvSpPr>
+            <a:spLocks noGrp="1"/>
+          </p:cNvSpPr>
+          <p:nvPr>
+            <p:ph type="body" idx="1"/>
+          </p:nvPr>
+        </p:nvSpPr>
+        <p:spPr/>
+        <p:txBody>
+          <a:bodyPr/>
+          <a:lstStyle/>
+          <a:p>
+            <a:r>
+              <a:rPr lang="en-US" altLang="ko-KR" dirty="0"/>
+              <a:t>1. </a:t>
+            </a:r>
+            <a:r>
+              <a:rPr lang="en-US" altLang="ko-KR" dirty="0" err="1"/>
+              <a:t>AppArmor</a:t>
+            </a:r>
+            <a:r>
+              <a:rPr lang="en-US" altLang="ko-KR" baseline="0" dirty="0"/>
+              <a:t> </a:t>
+            </a:r>
+            <a:r>
+              <a:rPr lang="ko-KR" altLang="en-US" baseline="0" dirty="0"/>
+              <a:t>변경 권한</a:t>
+            </a:r>
+            <a:endParaRPr lang="ko-KR" altLang="en-US" dirty="0"/>
+          </a:p>
+        </p:txBody>
+      </p:sp>
+      <p:sp>
+        <p:nvSpPr>
+          <p:cNvPr id="4" name="슬라이드 번호 개체 틀 3"/>
+          <p:cNvSpPr>
+            <a:spLocks noGrp="1"/>
+          </p:cNvSpPr>
+          <p:nvPr>
+            <p:ph type="sldNum" sz="quarter" idx="10"/>
+          </p:nvPr>
+        </p:nvSpPr>
+        <p:spPr/>
+        <p:txBody>
+          <a:bodyPr/>
+          <a:lstStyle/>
+          <a:p>
+            <a:fld id="{BA5DFA43-8D57-47FB-BC46-057616015C3B}" type="slidenum">
+              <a:rPr lang="ko-KR" altLang="en-US" smtClean="0"/>
+              <a:t>5</a:t>
             </a:fld>
             <a:endParaRPr lang="ko-KR" altLang="en-US"/>
           </a:p>
@@ -13811,7 +13912,7 @@
           <a:p>
             <a:fld id="{FB30EDBD-1C2D-4C1E-B459-B60219FAB484}" type="datetimeFigureOut">
               <a:rPr lang="ko-KR" altLang="en-US" smtClean="0"/>
-              <a:t>2020-05-02</a:t>
+              <a:t>2020-05-10</a:t>
             </a:fld>
             <a:endParaRPr lang="ko-KR" altLang="en-US"/>
           </a:p>
@@ -13974,7 +14075,7 @@
           <a:p>
             <a:fld id="{FB30EDBD-1C2D-4C1E-B459-B60219FAB484}" type="datetimeFigureOut">
               <a:rPr lang="ko-KR" altLang="en-US" smtClean="0"/>
-              <a:t>2020-05-02</a:t>
+              <a:t>2020-05-10</a:t>
             </a:fld>
             <a:endParaRPr lang="ko-KR" altLang="en-US"/>
           </a:p>
@@ -14147,7 +14248,7 @@
           <a:p>
             <a:fld id="{FB30EDBD-1C2D-4C1E-B459-B60219FAB484}" type="datetimeFigureOut">
               <a:rPr lang="ko-KR" altLang="en-US" smtClean="0"/>
-              <a:t>2020-05-02</a:t>
+              <a:t>2020-05-10</a:t>
             </a:fld>
             <a:endParaRPr lang="ko-KR" altLang="en-US"/>
           </a:p>
@@ -14310,7 +14411,7 @@
           <a:p>
             <a:fld id="{FB30EDBD-1C2D-4C1E-B459-B60219FAB484}" type="datetimeFigureOut">
               <a:rPr lang="ko-KR" altLang="en-US" smtClean="0"/>
-              <a:t>2020-05-02</a:t>
+              <a:t>2020-05-10</a:t>
             </a:fld>
             <a:endParaRPr lang="ko-KR" altLang="en-US"/>
           </a:p>
@@ -14550,7 +14651,7 @@
           <a:p>
             <a:fld id="{FB30EDBD-1C2D-4C1E-B459-B60219FAB484}" type="datetimeFigureOut">
               <a:rPr lang="ko-KR" altLang="en-US" smtClean="0"/>
-              <a:t>2020-05-02</a:t>
+              <a:t>2020-05-10</a:t>
             </a:fld>
             <a:endParaRPr lang="ko-KR" altLang="en-US"/>
           </a:p>
@@ -14830,7 +14931,7 @@
           <a:p>
             <a:fld id="{FB30EDBD-1C2D-4C1E-B459-B60219FAB484}" type="datetimeFigureOut">
               <a:rPr lang="ko-KR" altLang="en-US" smtClean="0"/>
-              <a:t>2020-05-02</a:t>
+              <a:t>2020-05-10</a:t>
             </a:fld>
             <a:endParaRPr lang="ko-KR" altLang="en-US"/>
           </a:p>
@@ -15244,7 +15345,7 @@
           <a:p>
             <a:fld id="{FB30EDBD-1C2D-4C1E-B459-B60219FAB484}" type="datetimeFigureOut">
               <a:rPr lang="ko-KR" altLang="en-US" smtClean="0"/>
-              <a:t>2020-05-02</a:t>
+              <a:t>2020-05-10</a:t>
             </a:fld>
             <a:endParaRPr lang="ko-KR" altLang="en-US"/>
           </a:p>
@@ -15356,7 +15457,7 @@
           <a:p>
             <a:fld id="{FB30EDBD-1C2D-4C1E-B459-B60219FAB484}" type="datetimeFigureOut">
               <a:rPr lang="ko-KR" altLang="en-US" smtClean="0"/>
-              <a:t>2020-05-02</a:t>
+              <a:t>2020-05-10</a:t>
             </a:fld>
             <a:endParaRPr lang="ko-KR" altLang="en-US"/>
           </a:p>
@@ -15446,7 +15547,7 @@
           <a:p>
             <a:fld id="{FB30EDBD-1C2D-4C1E-B459-B60219FAB484}" type="datetimeFigureOut">
               <a:rPr lang="ko-KR" altLang="en-US" smtClean="0"/>
-              <a:t>2020-05-02</a:t>
+              <a:t>2020-05-10</a:t>
             </a:fld>
             <a:endParaRPr lang="ko-KR" altLang="en-US"/>
           </a:p>
@@ -15716,7 +15817,7 @@
           <a:p>
             <a:fld id="{FB30EDBD-1C2D-4C1E-B459-B60219FAB484}" type="datetimeFigureOut">
               <a:rPr lang="ko-KR" altLang="en-US" smtClean="0"/>
-              <a:t>2020-05-02</a:t>
+              <a:t>2020-05-10</a:t>
             </a:fld>
             <a:endParaRPr lang="ko-KR" altLang="en-US"/>
           </a:p>
@@ -15963,7 +16064,7 @@
           <a:p>
             <a:fld id="{FB30EDBD-1C2D-4C1E-B459-B60219FAB484}" type="datetimeFigureOut">
               <a:rPr lang="ko-KR" altLang="en-US" smtClean="0"/>
-              <a:t>2020-05-02</a:t>
+              <a:t>2020-05-10</a:t>
             </a:fld>
             <a:endParaRPr lang="ko-KR" altLang="en-US"/>
           </a:p>
@@ -16169,7 +16270,7 @@
           <a:p>
             <a:fld id="{FB30EDBD-1C2D-4C1E-B459-B60219FAB484}" type="datetimeFigureOut">
               <a:rPr lang="ko-KR" altLang="en-US" smtClean="0"/>
-              <a:t>2020-05-02</a:t>
+              <a:t>2020-05-10</a:t>
             </a:fld>
             <a:endParaRPr lang="ko-KR" altLang="en-US"/>
           </a:p>
@@ -17509,6 +17610,601 @@
           <a:chExt cx="0" cy="0"/>
         </a:xfrm>
       </p:grpSpPr>
+      <p:sp>
+        <p:nvSpPr>
+          <p:cNvPr id="6" name="제목 1"/>
+          <p:cNvSpPr>
+            <a:spLocks noGrp="1"/>
+          </p:cNvSpPr>
+          <p:nvPr>
+            <p:ph type="title"/>
+          </p:nvPr>
+        </p:nvSpPr>
+        <p:spPr>
+          <a:xfrm>
+            <a:off x="457200" y="-20538"/>
+            <a:ext cx="8229600" cy="857250"/>
+          </a:xfrm>
+        </p:spPr>
+        <p:txBody>
+          <a:bodyPr>
+            <a:normAutofit/>
+          </a:bodyPr>
+          <a:lstStyle/>
+          <a:p>
+            <a:r>
+              <a:rPr lang="en-US" altLang="ko-KR"/>
+              <a:t>Network</a:t>
+            </a:r>
+            <a:r>
+              <a:rPr lang="ko-KR" altLang="en-US"/>
+              <a:t> </a:t>
+            </a:r>
+            <a:r>
+              <a:rPr lang="en-US" altLang="ko-KR"/>
+              <a:t>Namespace</a:t>
+            </a:r>
+            <a:endParaRPr lang="ko-KR" altLang="en-US" dirty="0"/>
+          </a:p>
+        </p:txBody>
+      </p:sp>
+      <p:sp>
+        <p:nvSpPr>
+          <p:cNvPr id="11" name="사각형: 둥근 모서리 10">
+            <a:extLst>
+              <a:ext uri="{FF2B5EF4-FFF2-40B4-BE49-F238E27FC236}">
+                <a16:creationId xmlns:a16="http://schemas.microsoft.com/office/drawing/2014/main" id="{8958FC18-5549-4D54-B370-7D2916106817}"/>
+              </a:ext>
+            </a:extLst>
+          </p:cNvPr>
+          <p:cNvSpPr/>
+          <p:nvPr/>
+        </p:nvSpPr>
+        <p:spPr>
+          <a:xfrm>
+            <a:off x="1793080" y="1419631"/>
+            <a:ext cx="2233459" cy="1656176"/>
+          </a:xfrm>
+          <a:prstGeom prst="roundRect">
+            <a:avLst>
+              <a:gd name="adj" fmla="val 2383"/>
+            </a:avLst>
+          </a:prstGeom>
+          <a:noFill/>
+          <a:ln>
+            <a:solidFill>
+              <a:schemeClr val="tx1"/>
+            </a:solidFill>
+            <a:prstDash val="solid"/>
+          </a:ln>
+        </p:spPr>
+        <p:style>
+          <a:lnRef idx="2">
+            <a:schemeClr val="dk1"/>
+          </a:lnRef>
+          <a:fillRef idx="1">
+            <a:schemeClr val="lt1"/>
+          </a:fillRef>
+          <a:effectRef idx="0">
+            <a:schemeClr val="dk1"/>
+          </a:effectRef>
+          <a:fontRef idx="minor">
+            <a:schemeClr val="dk1"/>
+          </a:fontRef>
+        </p:style>
+        <p:txBody>
+          <a:bodyPr rtlCol="0" anchor="b"/>
+          <a:lstStyle/>
+          <a:p>
+            <a:pPr algn="ctr"/>
+            <a:r>
+              <a:rPr lang="en-US" altLang="ko-KR" sz="1200">
+                <a:solidFill>
+                  <a:sysClr val="windowText" lastClr="000000"/>
+                </a:solidFill>
+              </a:rPr>
+              <a:t>Host Network Namespace</a:t>
+            </a:r>
+            <a:endParaRPr lang="ko-KR" altLang="en-US" sz="1200">
+              <a:solidFill>
+                <a:sysClr val="windowText" lastClr="000000"/>
+              </a:solidFill>
+            </a:endParaRPr>
+          </a:p>
+        </p:txBody>
+      </p:sp>
+      <p:sp>
+        <p:nvSpPr>
+          <p:cNvPr id="15" name="사각형: 둥근 모서리 14">
+            <a:extLst>
+              <a:ext uri="{FF2B5EF4-FFF2-40B4-BE49-F238E27FC236}">
+                <a16:creationId xmlns:a16="http://schemas.microsoft.com/office/drawing/2014/main" id="{14FF84CB-F19D-468E-82FF-663CC824E633}"/>
+              </a:ext>
+            </a:extLst>
+          </p:cNvPr>
+          <p:cNvSpPr/>
+          <p:nvPr/>
+        </p:nvSpPr>
+        <p:spPr>
+          <a:xfrm>
+            <a:off x="1933794" y="1573376"/>
+            <a:ext cx="1944216" cy="494318"/>
+          </a:xfrm>
+          <a:prstGeom prst="roundRect">
+            <a:avLst>
+              <a:gd name="adj" fmla="val 3674"/>
+            </a:avLst>
+          </a:prstGeom>
+          <a:noFill/>
+          <a:ln>
+            <a:solidFill>
+              <a:schemeClr val="tx1"/>
+            </a:solidFill>
+            <a:prstDash val="solid"/>
+          </a:ln>
+        </p:spPr>
+        <p:style>
+          <a:lnRef idx="2">
+            <a:schemeClr val="dk1"/>
+          </a:lnRef>
+          <a:fillRef idx="1">
+            <a:schemeClr val="lt1"/>
+          </a:fillRef>
+          <a:effectRef idx="0">
+            <a:schemeClr val="dk1"/>
+          </a:effectRef>
+          <a:fontRef idx="minor">
+            <a:schemeClr val="dk1"/>
+          </a:fontRef>
+        </p:style>
+        <p:txBody>
+          <a:bodyPr rtlCol="0" anchor="t"/>
+          <a:lstStyle/>
+          <a:p>
+            <a:pPr algn="ctr"/>
+            <a:r>
+              <a:rPr lang="en-US" altLang="ko-KR" sz="1200">
+                <a:solidFill>
+                  <a:sysClr val="windowText" lastClr="000000"/>
+                </a:solidFill>
+              </a:rPr>
+              <a:t>Routing Table</a:t>
+            </a:r>
+          </a:p>
+          <a:p>
+            <a:pPr algn="ctr"/>
+            <a:r>
+              <a:rPr lang="en-US" altLang="ko-KR" sz="1200">
+                <a:solidFill>
+                  <a:sysClr val="windowText" lastClr="000000"/>
+                </a:solidFill>
+              </a:rPr>
+              <a:t>193.168.0.0/24 veth_host </a:t>
+            </a:r>
+          </a:p>
+        </p:txBody>
+      </p:sp>
+      <p:sp>
+        <p:nvSpPr>
+          <p:cNvPr id="18" name="사각형: 둥근 모서리 17">
+            <a:extLst>
+              <a:ext uri="{FF2B5EF4-FFF2-40B4-BE49-F238E27FC236}">
+                <a16:creationId xmlns:a16="http://schemas.microsoft.com/office/drawing/2014/main" id="{AA1DDEA8-FAE0-4E79-855B-A77871AF2817}"/>
+              </a:ext>
+            </a:extLst>
+          </p:cNvPr>
+          <p:cNvSpPr/>
+          <p:nvPr/>
+        </p:nvSpPr>
+        <p:spPr>
+          <a:xfrm>
+            <a:off x="2987824" y="2197874"/>
+            <a:ext cx="890186" cy="373876"/>
+          </a:xfrm>
+          <a:prstGeom prst="roundRect">
+            <a:avLst>
+              <a:gd name="adj" fmla="val 3674"/>
+            </a:avLst>
+          </a:prstGeom>
+          <a:noFill/>
+          <a:ln>
+            <a:solidFill>
+              <a:schemeClr val="tx1"/>
+            </a:solidFill>
+            <a:prstDash val="solid"/>
+          </a:ln>
+        </p:spPr>
+        <p:style>
+          <a:lnRef idx="2">
+            <a:schemeClr val="dk1"/>
+          </a:lnRef>
+          <a:fillRef idx="1">
+            <a:schemeClr val="lt1"/>
+          </a:fillRef>
+          <a:effectRef idx="0">
+            <a:schemeClr val="dk1"/>
+          </a:effectRef>
+          <a:fontRef idx="minor">
+            <a:schemeClr val="dk1"/>
+          </a:fontRef>
+        </p:style>
+        <p:txBody>
+          <a:bodyPr rtlCol="0" anchor="ctr"/>
+          <a:lstStyle/>
+          <a:p>
+            <a:pPr algn="ctr"/>
+            <a:r>
+              <a:rPr lang="en-US" altLang="ko-KR" sz="1200">
+                <a:solidFill>
+                  <a:sysClr val="windowText" lastClr="000000"/>
+                </a:solidFill>
+              </a:rPr>
+              <a:t>veth_host</a:t>
+            </a:r>
+            <a:endParaRPr lang="ko-KR" altLang="en-US" sz="1200">
+              <a:solidFill>
+                <a:sysClr val="windowText" lastClr="000000"/>
+              </a:solidFill>
+            </a:endParaRPr>
+          </a:p>
+        </p:txBody>
+      </p:sp>
+      <p:cxnSp>
+        <p:nvCxnSpPr>
+          <p:cNvPr id="8" name="직선 연결선 7">
+            <a:extLst>
+              <a:ext uri="{FF2B5EF4-FFF2-40B4-BE49-F238E27FC236}">
+                <a16:creationId xmlns:a16="http://schemas.microsoft.com/office/drawing/2014/main" id="{70FF1EDC-CC43-43C9-A900-B93AA63F8F4E}"/>
+              </a:ext>
+            </a:extLst>
+          </p:cNvPr>
+          <p:cNvCxnSpPr>
+            <a:cxnSpLocks/>
+            <a:stCxn id="28" idx="1"/>
+            <a:endCxn id="18" idx="3"/>
+          </p:cNvCxnSpPr>
+          <p:nvPr/>
+        </p:nvCxnSpPr>
+        <p:spPr>
+          <a:xfrm flipH="1">
+            <a:off x="3878010" y="2384812"/>
+            <a:ext cx="865288" cy="0"/>
+          </a:xfrm>
+          <a:prstGeom prst="line">
+            <a:avLst/>
+          </a:prstGeom>
+          <a:ln w="19050">
+            <a:solidFill>
+              <a:schemeClr val="tx1"/>
+            </a:solidFill>
+          </a:ln>
+        </p:spPr>
+        <p:style>
+          <a:lnRef idx="1">
+            <a:schemeClr val="accent1"/>
+          </a:lnRef>
+          <a:fillRef idx="0">
+            <a:schemeClr val="accent1"/>
+          </a:fillRef>
+          <a:effectRef idx="0">
+            <a:schemeClr val="accent1"/>
+          </a:effectRef>
+          <a:fontRef idx="minor">
+            <a:schemeClr val="tx1"/>
+          </a:fontRef>
+        </p:style>
+      </p:cxnSp>
+      <p:sp>
+        <p:nvSpPr>
+          <p:cNvPr id="26" name="사각형: 둥근 모서리 25">
+            <a:extLst>
+              <a:ext uri="{FF2B5EF4-FFF2-40B4-BE49-F238E27FC236}">
+                <a16:creationId xmlns:a16="http://schemas.microsoft.com/office/drawing/2014/main" id="{18D38049-0957-4BF3-BCB0-387F39A6A78A}"/>
+              </a:ext>
+            </a:extLst>
+          </p:cNvPr>
+          <p:cNvSpPr/>
+          <p:nvPr/>
+        </p:nvSpPr>
+        <p:spPr>
+          <a:xfrm>
+            <a:off x="4602584" y="1419631"/>
+            <a:ext cx="2233459" cy="1656176"/>
+          </a:xfrm>
+          <a:prstGeom prst="roundRect">
+            <a:avLst>
+              <a:gd name="adj" fmla="val 2383"/>
+            </a:avLst>
+          </a:prstGeom>
+          <a:noFill/>
+          <a:ln>
+            <a:solidFill>
+              <a:schemeClr val="tx1"/>
+            </a:solidFill>
+            <a:prstDash val="solid"/>
+          </a:ln>
+        </p:spPr>
+        <p:style>
+          <a:lnRef idx="2">
+            <a:schemeClr val="dk1"/>
+          </a:lnRef>
+          <a:fillRef idx="1">
+            <a:schemeClr val="lt1"/>
+          </a:fillRef>
+          <a:effectRef idx="0">
+            <a:schemeClr val="dk1"/>
+          </a:effectRef>
+          <a:fontRef idx="minor">
+            <a:schemeClr val="dk1"/>
+          </a:fontRef>
+        </p:style>
+        <p:txBody>
+          <a:bodyPr rtlCol="0" anchor="b"/>
+          <a:lstStyle/>
+          <a:p>
+            <a:pPr algn="ctr"/>
+            <a:r>
+              <a:rPr lang="en-US" altLang="ko-KR" sz="1200">
+                <a:solidFill>
+                  <a:sysClr val="windowText" lastClr="000000"/>
+                </a:solidFill>
+              </a:rPr>
+              <a:t>Nginx Container Network Namespace</a:t>
+            </a:r>
+            <a:endParaRPr lang="ko-KR" altLang="en-US" sz="1200">
+              <a:solidFill>
+                <a:sysClr val="windowText" lastClr="000000"/>
+              </a:solidFill>
+            </a:endParaRPr>
+          </a:p>
+        </p:txBody>
+      </p:sp>
+      <p:sp>
+        <p:nvSpPr>
+          <p:cNvPr id="27" name="사각형: 둥근 모서리 26">
+            <a:extLst>
+              <a:ext uri="{FF2B5EF4-FFF2-40B4-BE49-F238E27FC236}">
+                <a16:creationId xmlns:a16="http://schemas.microsoft.com/office/drawing/2014/main" id="{0E78C9B2-A89D-43BD-B414-A9535289DCD1}"/>
+              </a:ext>
+            </a:extLst>
+          </p:cNvPr>
+          <p:cNvSpPr/>
+          <p:nvPr/>
+        </p:nvSpPr>
+        <p:spPr>
+          <a:xfrm>
+            <a:off x="4743298" y="1573376"/>
+            <a:ext cx="1944216" cy="494318"/>
+          </a:xfrm>
+          <a:prstGeom prst="roundRect">
+            <a:avLst>
+              <a:gd name="adj" fmla="val 3674"/>
+            </a:avLst>
+          </a:prstGeom>
+          <a:noFill/>
+          <a:ln>
+            <a:solidFill>
+              <a:schemeClr val="tx1"/>
+            </a:solidFill>
+            <a:prstDash val="solid"/>
+          </a:ln>
+        </p:spPr>
+        <p:style>
+          <a:lnRef idx="2">
+            <a:schemeClr val="dk1"/>
+          </a:lnRef>
+          <a:fillRef idx="1">
+            <a:schemeClr val="lt1"/>
+          </a:fillRef>
+          <a:effectRef idx="0">
+            <a:schemeClr val="dk1"/>
+          </a:effectRef>
+          <a:fontRef idx="minor">
+            <a:schemeClr val="dk1"/>
+          </a:fontRef>
+        </p:style>
+        <p:txBody>
+          <a:bodyPr rtlCol="0" anchor="t"/>
+          <a:lstStyle/>
+          <a:p>
+            <a:pPr algn="ctr"/>
+            <a:r>
+              <a:rPr lang="en-US" altLang="ko-KR" sz="1200">
+                <a:solidFill>
+                  <a:sysClr val="windowText" lastClr="000000"/>
+                </a:solidFill>
+              </a:rPr>
+              <a:t>Routing Table</a:t>
+            </a:r>
+          </a:p>
+          <a:p>
+            <a:pPr algn="ctr"/>
+            <a:r>
+              <a:rPr lang="en-US" altLang="ko-KR" sz="1200">
+                <a:solidFill>
+                  <a:sysClr val="windowText" lastClr="000000"/>
+                </a:solidFill>
+              </a:rPr>
+              <a:t>193.168.0.0/24 veth_cont </a:t>
+            </a:r>
+          </a:p>
+          <a:p>
+            <a:pPr algn="ctr"/>
+            <a:endParaRPr lang="en-US" altLang="ko-KR" sz="1200">
+              <a:solidFill>
+                <a:sysClr val="windowText" lastClr="000000"/>
+              </a:solidFill>
+            </a:endParaRPr>
+          </a:p>
+        </p:txBody>
+      </p:sp>
+      <p:sp>
+        <p:nvSpPr>
+          <p:cNvPr id="28" name="사각형: 둥근 모서리 27">
+            <a:extLst>
+              <a:ext uri="{FF2B5EF4-FFF2-40B4-BE49-F238E27FC236}">
+                <a16:creationId xmlns:a16="http://schemas.microsoft.com/office/drawing/2014/main" id="{E0C57ED7-47B1-46DD-8631-FBDCA1F734B4}"/>
+              </a:ext>
+            </a:extLst>
+          </p:cNvPr>
+          <p:cNvSpPr/>
+          <p:nvPr/>
+        </p:nvSpPr>
+        <p:spPr>
+          <a:xfrm>
+            <a:off x="4743298" y="2197874"/>
+            <a:ext cx="890186" cy="373876"/>
+          </a:xfrm>
+          <a:prstGeom prst="roundRect">
+            <a:avLst>
+              <a:gd name="adj" fmla="val 3674"/>
+            </a:avLst>
+          </a:prstGeom>
+          <a:noFill/>
+          <a:ln>
+            <a:solidFill>
+              <a:schemeClr val="tx1"/>
+            </a:solidFill>
+            <a:prstDash val="solid"/>
+          </a:ln>
+        </p:spPr>
+        <p:style>
+          <a:lnRef idx="2">
+            <a:schemeClr val="dk1"/>
+          </a:lnRef>
+          <a:fillRef idx="1">
+            <a:schemeClr val="lt1"/>
+          </a:fillRef>
+          <a:effectRef idx="0">
+            <a:schemeClr val="dk1"/>
+          </a:effectRef>
+          <a:fontRef idx="minor">
+            <a:schemeClr val="dk1"/>
+          </a:fontRef>
+        </p:style>
+        <p:txBody>
+          <a:bodyPr rtlCol="0" anchor="ctr"/>
+          <a:lstStyle/>
+          <a:p>
+            <a:pPr algn="ctr"/>
+            <a:r>
+              <a:rPr lang="en-US" altLang="ko-KR" sz="1200">
+                <a:solidFill>
+                  <a:sysClr val="windowText" lastClr="000000"/>
+                </a:solidFill>
+              </a:rPr>
+              <a:t>veth_cont</a:t>
+            </a:r>
+            <a:endParaRPr lang="ko-KR" altLang="en-US" sz="1200">
+              <a:solidFill>
+                <a:sysClr val="windowText" lastClr="000000"/>
+              </a:solidFill>
+            </a:endParaRPr>
+          </a:p>
+        </p:txBody>
+      </p:sp>
+      <p:sp>
+        <p:nvSpPr>
+          <p:cNvPr id="10" name="TextBox 9">
+            <a:extLst>
+              <a:ext uri="{FF2B5EF4-FFF2-40B4-BE49-F238E27FC236}">
+                <a16:creationId xmlns:a16="http://schemas.microsoft.com/office/drawing/2014/main" id="{9FBB87DB-F3E0-440D-A9BD-47AC5DC15402}"/>
+              </a:ext>
+            </a:extLst>
+          </p:cNvPr>
+          <p:cNvSpPr txBox="1"/>
+          <p:nvPr/>
+        </p:nvSpPr>
+        <p:spPr>
+          <a:xfrm>
+            <a:off x="1884860" y="2246312"/>
+            <a:ext cx="1135247" cy="276999"/>
+          </a:xfrm>
+          <a:prstGeom prst="rect">
+            <a:avLst/>
+          </a:prstGeom>
+          <a:noFill/>
+        </p:spPr>
+        <p:txBody>
+          <a:bodyPr wrap="none" rtlCol="0">
+            <a:spAutoFit/>
+          </a:bodyPr>
+          <a:lstStyle/>
+          <a:p>
+            <a:r>
+              <a:rPr lang="en-US" altLang="ko-KR" sz="1200"/>
+              <a:t>193.168.0.100</a:t>
+            </a:r>
+            <a:endParaRPr lang="ko-KR" altLang="en-US" sz="1200"/>
+          </a:p>
+        </p:txBody>
+      </p:sp>
+      <p:sp>
+        <p:nvSpPr>
+          <p:cNvPr id="29" name="TextBox 28">
+            <a:extLst>
+              <a:ext uri="{FF2B5EF4-FFF2-40B4-BE49-F238E27FC236}">
+                <a16:creationId xmlns:a16="http://schemas.microsoft.com/office/drawing/2014/main" id="{4EE248E2-31E1-4A4E-9E3F-6879891E451A}"/>
+              </a:ext>
+            </a:extLst>
+          </p:cNvPr>
+          <p:cNvSpPr txBox="1"/>
+          <p:nvPr/>
+        </p:nvSpPr>
+        <p:spPr>
+          <a:xfrm>
+            <a:off x="5601201" y="2246312"/>
+            <a:ext cx="1135247" cy="276999"/>
+          </a:xfrm>
+          <a:prstGeom prst="rect">
+            <a:avLst/>
+          </a:prstGeom>
+          <a:noFill/>
+        </p:spPr>
+        <p:txBody>
+          <a:bodyPr wrap="none" rtlCol="0">
+            <a:spAutoFit/>
+          </a:bodyPr>
+          <a:lstStyle/>
+          <a:p>
+            <a:r>
+              <a:rPr lang="en-US" altLang="ko-KR" sz="1200"/>
+              <a:t>193.168.0.101</a:t>
+            </a:r>
+            <a:endParaRPr lang="ko-KR" altLang="en-US" sz="1200"/>
+          </a:p>
+        </p:txBody>
+      </p:sp>
+    </p:spTree>
+    <p:extLst>
+      <p:ext uri="{BB962C8B-B14F-4D97-AF65-F5344CB8AC3E}">
+        <p14:creationId xmlns:p14="http://schemas.microsoft.com/office/powerpoint/2010/main" val="3104299387"/>
+      </p:ext>
+    </p:extLst>
+  </p:cSld>
+  <p:clrMapOvr>
+    <a:masterClrMapping/>
+  </p:clrMapOvr>
+</p:sld>
+</file>
+
+<file path=ppt/slides/slide3.xml><?xml version="1.0" encoding="utf-8"?>
+<p:sld xmlns:a="http://schemas.openxmlformats.org/drawingml/2006/main" xmlns:r="http://schemas.openxmlformats.org/officeDocument/2006/relationships" xmlns:p="http://schemas.openxmlformats.org/presentationml/2006/main">
+  <p:cSld>
+    <p:spTree>
+      <p:nvGrpSpPr>
+        <p:cNvPr id="1" name=""/>
+        <p:cNvGrpSpPr/>
+        <p:nvPr/>
+      </p:nvGrpSpPr>
+      <p:grpSpPr>
+        <a:xfrm>
+          <a:off x="0" y="0"/>
+          <a:ext cx="0" cy="0"/>
+          <a:chOff x="0" y="0"/>
+          <a:chExt cx="0" cy="0"/>
+        </a:xfrm>
+      </p:grpSpPr>
     </p:spTree>
     <p:extLst>
       <p:ext uri="{BB962C8B-B14F-4D97-AF65-F5344CB8AC3E}">
@@ -17522,7 +18218,7 @@
 </p:sld>
 </file>
 
-<file path=ppt/slides/slide3.xml><?xml version="1.0" encoding="utf-8"?>
+<file path=ppt/slides/slide4.xml><?xml version="1.0" encoding="utf-8"?>
 <p:sld xmlns:a="http://schemas.openxmlformats.org/drawingml/2006/main" xmlns:r="http://schemas.openxmlformats.org/officeDocument/2006/relationships" xmlns:p="http://schemas.openxmlformats.org/presentationml/2006/main">
   <p:cSld>
     <p:spTree>
@@ -17915,7 +18611,7 @@
 </p:sld>
 </file>
 
-<file path=ppt/slides/slide4.xml><?xml version="1.0" encoding="utf-8"?>
+<file path=ppt/slides/slide5.xml><?xml version="1.0" encoding="utf-8"?>
 <p:sld xmlns:a="http://schemas.openxmlformats.org/drawingml/2006/main" xmlns:r="http://schemas.openxmlformats.org/officeDocument/2006/relationships" xmlns:p="http://schemas.openxmlformats.org/presentationml/2006/main">
   <p:cSld>
     <p:spTree>

--- a/images/onebyone_container/Network_Namespace/Network_Namespace.pptx
+++ b/images/onebyone_container/Network_Namespace/Network_Namespace.pptx
@@ -216,7 +216,7 @@
           <a:p>
             <a:fld id="{6CD5550B-26C4-49A9-A5BA-636EF7BE6CE9}" type="datetimeFigureOut">
               <a:rPr lang="ko-KR" altLang="en-US" smtClean="0"/>
-              <a:t>2020-07-14</a:t>
+              <a:t>2020-07-16</a:t>
             </a:fld>
             <a:endParaRPr lang="ko-KR" altLang="en-US"/>
           </a:p>
@@ -962,7 +962,7 @@
           <a:p>
             <a:fld id="{FB30EDBD-1C2D-4C1E-B459-B60219FAB484}" type="datetimeFigureOut">
               <a:rPr lang="ko-KR" altLang="en-US" smtClean="0"/>
-              <a:t>2020-07-14</a:t>
+              <a:t>2020-07-16</a:t>
             </a:fld>
             <a:endParaRPr lang="ko-KR" altLang="en-US"/>
           </a:p>
@@ -1125,7 +1125,7 @@
           <a:p>
             <a:fld id="{FB30EDBD-1C2D-4C1E-B459-B60219FAB484}" type="datetimeFigureOut">
               <a:rPr lang="ko-KR" altLang="en-US" smtClean="0"/>
-              <a:t>2020-07-14</a:t>
+              <a:t>2020-07-16</a:t>
             </a:fld>
             <a:endParaRPr lang="ko-KR" altLang="en-US"/>
           </a:p>
@@ -1298,7 +1298,7 @@
           <a:p>
             <a:fld id="{FB30EDBD-1C2D-4C1E-B459-B60219FAB484}" type="datetimeFigureOut">
               <a:rPr lang="ko-KR" altLang="en-US" smtClean="0"/>
-              <a:t>2020-07-14</a:t>
+              <a:t>2020-07-16</a:t>
             </a:fld>
             <a:endParaRPr lang="ko-KR" altLang="en-US"/>
           </a:p>
@@ -1461,7 +1461,7 @@
           <a:p>
             <a:fld id="{FB30EDBD-1C2D-4C1E-B459-B60219FAB484}" type="datetimeFigureOut">
               <a:rPr lang="ko-KR" altLang="en-US" smtClean="0"/>
-              <a:t>2020-07-14</a:t>
+              <a:t>2020-07-16</a:t>
             </a:fld>
             <a:endParaRPr lang="ko-KR" altLang="en-US"/>
           </a:p>
@@ -1701,7 +1701,7 @@
           <a:p>
             <a:fld id="{FB30EDBD-1C2D-4C1E-B459-B60219FAB484}" type="datetimeFigureOut">
               <a:rPr lang="ko-KR" altLang="en-US" smtClean="0"/>
-              <a:t>2020-07-14</a:t>
+              <a:t>2020-07-16</a:t>
             </a:fld>
             <a:endParaRPr lang="ko-KR" altLang="en-US"/>
           </a:p>
@@ -1981,7 +1981,7 @@
           <a:p>
             <a:fld id="{FB30EDBD-1C2D-4C1E-B459-B60219FAB484}" type="datetimeFigureOut">
               <a:rPr lang="ko-KR" altLang="en-US" smtClean="0"/>
-              <a:t>2020-07-14</a:t>
+              <a:t>2020-07-16</a:t>
             </a:fld>
             <a:endParaRPr lang="ko-KR" altLang="en-US"/>
           </a:p>
@@ -2395,7 +2395,7 @@
           <a:p>
             <a:fld id="{FB30EDBD-1C2D-4C1E-B459-B60219FAB484}" type="datetimeFigureOut">
               <a:rPr lang="ko-KR" altLang="en-US" smtClean="0"/>
-              <a:t>2020-07-14</a:t>
+              <a:t>2020-07-16</a:t>
             </a:fld>
             <a:endParaRPr lang="ko-KR" altLang="en-US"/>
           </a:p>
@@ -2507,7 +2507,7 @@
           <a:p>
             <a:fld id="{FB30EDBD-1C2D-4C1E-B459-B60219FAB484}" type="datetimeFigureOut">
               <a:rPr lang="ko-KR" altLang="en-US" smtClean="0"/>
-              <a:t>2020-07-14</a:t>
+              <a:t>2020-07-16</a:t>
             </a:fld>
             <a:endParaRPr lang="ko-KR" altLang="en-US"/>
           </a:p>
@@ -2597,7 +2597,7 @@
           <a:p>
             <a:fld id="{FB30EDBD-1C2D-4C1E-B459-B60219FAB484}" type="datetimeFigureOut">
               <a:rPr lang="ko-KR" altLang="en-US" smtClean="0"/>
-              <a:t>2020-07-14</a:t>
+              <a:t>2020-07-16</a:t>
             </a:fld>
             <a:endParaRPr lang="ko-KR" altLang="en-US"/>
           </a:p>
@@ -2867,7 +2867,7 @@
           <a:p>
             <a:fld id="{FB30EDBD-1C2D-4C1E-B459-B60219FAB484}" type="datetimeFigureOut">
               <a:rPr lang="ko-KR" altLang="en-US" smtClean="0"/>
-              <a:t>2020-07-14</a:t>
+              <a:t>2020-07-16</a:t>
             </a:fld>
             <a:endParaRPr lang="ko-KR" altLang="en-US"/>
           </a:p>
@@ -3114,7 +3114,7 @@
           <a:p>
             <a:fld id="{FB30EDBD-1C2D-4C1E-B459-B60219FAB484}" type="datetimeFigureOut">
               <a:rPr lang="ko-KR" altLang="en-US" smtClean="0"/>
-              <a:t>2020-07-14</a:t>
+              <a:t>2020-07-16</a:t>
             </a:fld>
             <a:endParaRPr lang="ko-KR" altLang="en-US"/>
           </a:p>
@@ -3320,7 +3320,7 @@
           <a:p>
             <a:fld id="{FB30EDBD-1C2D-4C1E-B459-B60219FAB484}" type="datetimeFigureOut">
               <a:rPr lang="ko-KR" altLang="en-US" smtClean="0"/>
-              <a:t>2020-07-14</a:t>
+              <a:t>2020-07-16</a:t>
             </a:fld>
             <a:endParaRPr lang="ko-KR" altLang="en-US"/>
           </a:p>
@@ -3742,8 +3742,8 @@
         </p:nvSpPr>
         <p:spPr>
           <a:xfrm>
-            <a:off x="1115616" y="843558"/>
-            <a:ext cx="2910924" cy="3024336"/>
+            <a:off x="755576" y="843558"/>
+            <a:ext cx="2131009" cy="3744416"/>
           </a:xfrm>
           <a:prstGeom prst="roundRect">
             <a:avLst>
@@ -3783,7 +3783,18 @@
                   <a:sysClr val="windowText" lastClr="000000"/>
                 </a:solidFill>
               </a:rPr>
-              <a:t>Network Namespace A</a:t>
+              <a:t>netshoot_a Container</a:t>
+            </a:r>
+          </a:p>
+          <a:p>
+            <a:pPr algn="ctr"/>
+            <a:r>
+              <a:rPr lang="en-US" altLang="ko-KR" sz="1400">
+                <a:solidFill>
+                  <a:sysClr val="windowText" lastClr="000000"/>
+                </a:solidFill>
+              </a:rPr>
+              <a:t>Network Namespace</a:t>
             </a:r>
             <a:endParaRPr lang="ko-KR" altLang="en-US" sz="1400">
               <a:solidFill>
@@ -3807,8 +3818,8 @@
         </p:nvSpPr>
         <p:spPr>
           <a:xfrm>
-            <a:off x="1259632" y="1621810"/>
-            <a:ext cx="1718276" cy="462548"/>
+            <a:off x="899591" y="1621810"/>
+            <a:ext cx="1842977" cy="462548"/>
           </a:xfrm>
           <a:prstGeom prst="roundRect">
             <a:avLst>
@@ -3883,8 +3894,8 @@
         </p:nvSpPr>
         <p:spPr>
           <a:xfrm>
-            <a:off x="1259632" y="1001410"/>
-            <a:ext cx="1718276" cy="462548"/>
+            <a:off x="899591" y="1001410"/>
+            <a:ext cx="1842977" cy="462548"/>
           </a:xfrm>
           <a:prstGeom prst="roundRect">
             <a:avLst>
@@ -3948,8 +3959,8 @@
         </p:nvSpPr>
         <p:spPr>
           <a:xfrm>
-            <a:off x="1259632" y="2242210"/>
-            <a:ext cx="1718276" cy="462548"/>
+            <a:off x="899591" y="2242210"/>
+            <a:ext cx="1842977" cy="462548"/>
           </a:xfrm>
           <a:prstGeom prst="roundRect">
             <a:avLst>
@@ -4024,8 +4035,8 @@
         </p:nvSpPr>
         <p:spPr>
           <a:xfrm>
-            <a:off x="3121924" y="2055272"/>
-            <a:ext cx="756086" cy="373876"/>
+            <a:off x="1986482" y="3665706"/>
+            <a:ext cx="756086" cy="418212"/>
           </a:xfrm>
           <a:prstGeom prst="roundRect">
             <a:avLst>
@@ -4065,7 +4076,18 @@
                   <a:sysClr val="windowText" lastClr="000000"/>
                 </a:solidFill>
               </a:rPr>
-              <a:t>veth</a:t>
+              <a:t>eth0</a:t>
+            </a:r>
+          </a:p>
+          <a:p>
+            <a:pPr algn="ctr"/>
+            <a:r>
+              <a:rPr lang="en-US" altLang="ko-KR" sz="1200">
+                <a:solidFill>
+                  <a:sysClr val="windowText" lastClr="000000"/>
+                </a:solidFill>
+              </a:rPr>
+              <a:t>(veth)</a:t>
             </a:r>
             <a:endParaRPr lang="ko-KR" altLang="en-US" sz="1200">
               <a:solidFill>
@@ -4089,8 +4111,8 @@
         </p:nvSpPr>
         <p:spPr>
           <a:xfrm>
-            <a:off x="1259632" y="2862610"/>
-            <a:ext cx="1718276" cy="645244"/>
+            <a:off x="899591" y="2862610"/>
+            <a:ext cx="1842977" cy="645244"/>
           </a:xfrm>
           <a:prstGeom prst="roundRect">
             <a:avLst>
@@ -4157,435 +4179,6 @@
           </a:p>
         </p:txBody>
       </p:sp>
-      <p:sp>
-        <p:nvSpPr>
-          <p:cNvPr id="20" name="사각형: 둥근 모서리 19">
-            <a:extLst>
-              <a:ext uri="{FF2B5EF4-FFF2-40B4-BE49-F238E27FC236}">
-                <a16:creationId xmlns:a16="http://schemas.microsoft.com/office/drawing/2014/main" id="{7A7EB62D-7544-4573-8EBC-CEC89A38A9B6}"/>
-              </a:ext>
-            </a:extLst>
-          </p:cNvPr>
-          <p:cNvSpPr/>
-          <p:nvPr/>
-        </p:nvSpPr>
-        <p:spPr>
-          <a:xfrm flipH="1">
-            <a:off x="4577386" y="843558"/>
-            <a:ext cx="2910924" cy="3024336"/>
-          </a:xfrm>
-          <a:prstGeom prst="roundRect">
-            <a:avLst>
-              <a:gd name="adj" fmla="val 2383"/>
-            </a:avLst>
-          </a:prstGeom>
-          <a:noFill/>
-          <a:ln>
-            <a:solidFill>
-              <a:schemeClr val="tx1"/>
-            </a:solidFill>
-            <a:prstDash val="solid"/>
-          </a:ln>
-        </p:spPr>
-        <p:style>
-          <a:lnRef idx="2">
-            <a:schemeClr val="dk1"/>
-          </a:lnRef>
-          <a:fillRef idx="1">
-            <a:schemeClr val="lt1"/>
-          </a:fillRef>
-          <a:effectRef idx="0">
-            <a:schemeClr val="dk1"/>
-          </a:effectRef>
-          <a:fontRef idx="minor">
-            <a:schemeClr val="dk1"/>
-          </a:fontRef>
-        </p:style>
-        <p:txBody>
-          <a:bodyPr rtlCol="0" anchor="b"/>
-          <a:lstStyle/>
-          <a:p>
-            <a:pPr algn="ctr"/>
-            <a:r>
-              <a:rPr lang="en-US" altLang="ko-KR" sz="1400">
-                <a:solidFill>
-                  <a:sysClr val="windowText" lastClr="000000"/>
-                </a:solidFill>
-              </a:rPr>
-              <a:t>Network Namespace B</a:t>
-            </a:r>
-            <a:endParaRPr lang="ko-KR" altLang="en-US" sz="1400">
-              <a:solidFill>
-                <a:sysClr val="windowText" lastClr="000000"/>
-              </a:solidFill>
-            </a:endParaRPr>
-          </a:p>
-        </p:txBody>
-      </p:sp>
-      <p:sp>
-        <p:nvSpPr>
-          <p:cNvPr id="21" name="사각형: 둥근 모서리 20">
-            <a:extLst>
-              <a:ext uri="{FF2B5EF4-FFF2-40B4-BE49-F238E27FC236}">
-                <a16:creationId xmlns:a16="http://schemas.microsoft.com/office/drawing/2014/main" id="{1086A7B4-C0C7-48F6-927C-7803AB8E360A}"/>
-              </a:ext>
-            </a:extLst>
-          </p:cNvPr>
-          <p:cNvSpPr/>
-          <p:nvPr/>
-        </p:nvSpPr>
-        <p:spPr>
-          <a:xfrm flipH="1">
-            <a:off x="5626018" y="1621810"/>
-            <a:ext cx="1718276" cy="462548"/>
-          </a:xfrm>
-          <a:prstGeom prst="roundRect">
-            <a:avLst>
-              <a:gd name="adj" fmla="val 3674"/>
-            </a:avLst>
-          </a:prstGeom>
-          <a:noFill/>
-          <a:ln>
-            <a:solidFill>
-              <a:schemeClr val="tx1"/>
-            </a:solidFill>
-            <a:prstDash val="solid"/>
-          </a:ln>
-        </p:spPr>
-        <p:style>
-          <a:lnRef idx="2">
-            <a:schemeClr val="dk1"/>
-          </a:lnRef>
-          <a:fillRef idx="1">
-            <a:schemeClr val="lt1"/>
-          </a:fillRef>
-          <a:effectRef idx="0">
-            <a:schemeClr val="dk1"/>
-          </a:effectRef>
-          <a:fontRef idx="minor">
-            <a:schemeClr val="dk1"/>
-          </a:fontRef>
-        </p:style>
-        <p:txBody>
-          <a:bodyPr rtlCol="0" anchor="ctr"/>
-          <a:lstStyle/>
-          <a:p>
-            <a:pPr algn="ctr"/>
-            <a:r>
-              <a:rPr lang="en-US" altLang="ko-KR" sz="1200">
-                <a:solidFill>
-                  <a:sysClr val="windowText" lastClr="000000"/>
-                </a:solidFill>
-              </a:rPr>
-              <a:t>Socket</a:t>
-            </a:r>
-          </a:p>
-          <a:p>
-            <a:pPr algn="ctr"/>
-            <a:r>
-              <a:rPr lang="en-US" altLang="ko-KR" sz="1200">
-                <a:solidFill>
-                  <a:sysClr val="windowText" lastClr="000000"/>
-                </a:solidFill>
-              </a:rPr>
-              <a:t>(Port Number)</a:t>
-            </a:r>
-            <a:endParaRPr lang="ko-KR" altLang="en-US" sz="1200">
-              <a:solidFill>
-                <a:sysClr val="windowText" lastClr="000000"/>
-              </a:solidFill>
-            </a:endParaRPr>
-          </a:p>
-        </p:txBody>
-      </p:sp>
-      <p:sp>
-        <p:nvSpPr>
-          <p:cNvPr id="22" name="사각형: 둥근 모서리 21">
-            <a:extLst>
-              <a:ext uri="{FF2B5EF4-FFF2-40B4-BE49-F238E27FC236}">
-                <a16:creationId xmlns:a16="http://schemas.microsoft.com/office/drawing/2014/main" id="{FEB62875-D32B-411F-B389-5CD13D66F457}"/>
-              </a:ext>
-            </a:extLst>
-          </p:cNvPr>
-          <p:cNvSpPr/>
-          <p:nvPr/>
-        </p:nvSpPr>
-        <p:spPr>
-          <a:xfrm flipH="1">
-            <a:off x="5626018" y="1001410"/>
-            <a:ext cx="1718276" cy="462548"/>
-          </a:xfrm>
-          <a:prstGeom prst="roundRect">
-            <a:avLst>
-              <a:gd name="adj" fmla="val 3674"/>
-            </a:avLst>
-          </a:prstGeom>
-          <a:noFill/>
-          <a:ln>
-            <a:solidFill>
-              <a:schemeClr val="tx1"/>
-            </a:solidFill>
-            <a:prstDash val="solid"/>
-          </a:ln>
-        </p:spPr>
-        <p:style>
-          <a:lnRef idx="2">
-            <a:schemeClr val="dk1"/>
-          </a:lnRef>
-          <a:fillRef idx="1">
-            <a:schemeClr val="lt1"/>
-          </a:fillRef>
-          <a:effectRef idx="0">
-            <a:schemeClr val="dk1"/>
-          </a:effectRef>
-          <a:fontRef idx="minor">
-            <a:schemeClr val="dk1"/>
-          </a:fontRef>
-        </p:style>
-        <p:txBody>
-          <a:bodyPr rtlCol="0" anchor="ctr"/>
-          <a:lstStyle/>
-          <a:p>
-            <a:pPr algn="ctr"/>
-            <a:r>
-              <a:rPr lang="en-US" altLang="ko-KR" sz="1200">
-                <a:solidFill>
-                  <a:sysClr val="windowText" lastClr="000000"/>
-                </a:solidFill>
-              </a:rPr>
-              <a:t>Routing Table</a:t>
-            </a:r>
-            <a:endParaRPr lang="ko-KR" altLang="en-US" sz="1200">
-              <a:solidFill>
-                <a:sysClr val="windowText" lastClr="000000"/>
-              </a:solidFill>
-            </a:endParaRPr>
-          </a:p>
-        </p:txBody>
-      </p:sp>
-      <p:sp>
-        <p:nvSpPr>
-          <p:cNvPr id="23" name="사각형: 둥근 모서리 22">
-            <a:extLst>
-              <a:ext uri="{FF2B5EF4-FFF2-40B4-BE49-F238E27FC236}">
-                <a16:creationId xmlns:a16="http://schemas.microsoft.com/office/drawing/2014/main" id="{7CA12E3F-86F0-494E-9F71-E25E5BAEBE89}"/>
-              </a:ext>
-            </a:extLst>
-          </p:cNvPr>
-          <p:cNvSpPr/>
-          <p:nvPr/>
-        </p:nvSpPr>
-        <p:spPr>
-          <a:xfrm flipH="1">
-            <a:off x="5626018" y="2242210"/>
-            <a:ext cx="1718276" cy="462548"/>
-          </a:xfrm>
-          <a:prstGeom prst="roundRect">
-            <a:avLst>
-              <a:gd name="adj" fmla="val 3674"/>
-            </a:avLst>
-          </a:prstGeom>
-          <a:noFill/>
-          <a:ln>
-            <a:solidFill>
-              <a:schemeClr val="tx1"/>
-            </a:solidFill>
-            <a:prstDash val="solid"/>
-          </a:ln>
-        </p:spPr>
-        <p:style>
-          <a:lnRef idx="2">
-            <a:schemeClr val="dk1"/>
-          </a:lnRef>
-          <a:fillRef idx="1">
-            <a:schemeClr val="lt1"/>
-          </a:fillRef>
-          <a:effectRef idx="0">
-            <a:schemeClr val="dk1"/>
-          </a:effectRef>
-          <a:fontRef idx="minor">
-            <a:schemeClr val="dk1"/>
-          </a:fontRef>
-        </p:style>
-        <p:txBody>
-          <a:bodyPr rtlCol="0" anchor="ctr"/>
-          <a:lstStyle/>
-          <a:p>
-            <a:pPr algn="ctr"/>
-            <a:r>
-              <a:rPr lang="en-US" altLang="ko-KR" sz="1200">
-                <a:solidFill>
-                  <a:sysClr val="windowText" lastClr="000000"/>
-                </a:solidFill>
-              </a:rPr>
-              <a:t>Netfilter</a:t>
-            </a:r>
-          </a:p>
-          <a:p>
-            <a:pPr algn="ctr"/>
-            <a:r>
-              <a:rPr lang="en-US" altLang="ko-KR" sz="1200">
-                <a:solidFill>
-                  <a:sysClr val="windowText" lastClr="000000"/>
-                </a:solidFill>
-              </a:rPr>
-              <a:t>(iptables, IPVS)</a:t>
-            </a:r>
-            <a:endParaRPr lang="ko-KR" altLang="en-US" sz="1200">
-              <a:solidFill>
-                <a:sysClr val="windowText" lastClr="000000"/>
-              </a:solidFill>
-            </a:endParaRPr>
-          </a:p>
-        </p:txBody>
-      </p:sp>
-      <p:sp>
-        <p:nvSpPr>
-          <p:cNvPr id="24" name="사각형: 둥근 모서리 23">
-            <a:extLst>
-              <a:ext uri="{FF2B5EF4-FFF2-40B4-BE49-F238E27FC236}">
-                <a16:creationId xmlns:a16="http://schemas.microsoft.com/office/drawing/2014/main" id="{B069DE20-77F9-4287-9623-9E4F0FB2DFFE}"/>
-              </a:ext>
-            </a:extLst>
-          </p:cNvPr>
-          <p:cNvSpPr/>
-          <p:nvPr/>
-        </p:nvSpPr>
-        <p:spPr>
-          <a:xfrm flipH="1">
-            <a:off x="4725916" y="2055272"/>
-            <a:ext cx="756086" cy="373876"/>
-          </a:xfrm>
-          <a:prstGeom prst="roundRect">
-            <a:avLst>
-              <a:gd name="adj" fmla="val 3674"/>
-            </a:avLst>
-          </a:prstGeom>
-          <a:noFill/>
-          <a:ln>
-            <a:solidFill>
-              <a:schemeClr val="tx1"/>
-            </a:solidFill>
-            <a:prstDash val="solid"/>
-          </a:ln>
-        </p:spPr>
-        <p:style>
-          <a:lnRef idx="2">
-            <a:schemeClr val="dk1"/>
-          </a:lnRef>
-          <a:fillRef idx="1">
-            <a:schemeClr val="lt1"/>
-          </a:fillRef>
-          <a:effectRef idx="0">
-            <a:schemeClr val="dk1"/>
-          </a:effectRef>
-          <a:fontRef idx="minor">
-            <a:schemeClr val="dk1"/>
-          </a:fontRef>
-        </p:style>
-        <p:txBody>
-          <a:bodyPr rtlCol="0" anchor="ctr"/>
-          <a:lstStyle/>
-          <a:p>
-            <a:pPr algn="ctr"/>
-            <a:r>
-              <a:rPr lang="en-US" altLang="ko-KR" sz="1200">
-                <a:solidFill>
-                  <a:sysClr val="windowText" lastClr="000000"/>
-                </a:solidFill>
-              </a:rPr>
-              <a:t>veth</a:t>
-            </a:r>
-            <a:endParaRPr lang="ko-KR" altLang="en-US" sz="1200">
-              <a:solidFill>
-                <a:sysClr val="windowText" lastClr="000000"/>
-              </a:solidFill>
-            </a:endParaRPr>
-          </a:p>
-        </p:txBody>
-      </p:sp>
-      <p:sp>
-        <p:nvSpPr>
-          <p:cNvPr id="25" name="사각형: 둥근 모서리 24">
-            <a:extLst>
-              <a:ext uri="{FF2B5EF4-FFF2-40B4-BE49-F238E27FC236}">
-                <a16:creationId xmlns:a16="http://schemas.microsoft.com/office/drawing/2014/main" id="{A4054ABF-04BF-4DAF-BD7B-2FA833B73EED}"/>
-              </a:ext>
-            </a:extLst>
-          </p:cNvPr>
-          <p:cNvSpPr/>
-          <p:nvPr/>
-        </p:nvSpPr>
-        <p:spPr>
-          <a:xfrm flipH="1">
-            <a:off x="5626018" y="2862610"/>
-            <a:ext cx="1718276" cy="645244"/>
-          </a:xfrm>
-          <a:prstGeom prst="roundRect">
-            <a:avLst>
-              <a:gd name="adj" fmla="val 3674"/>
-            </a:avLst>
-          </a:prstGeom>
-          <a:noFill/>
-          <a:ln>
-            <a:solidFill>
-              <a:schemeClr val="tx1"/>
-            </a:solidFill>
-            <a:prstDash val="solid"/>
-          </a:ln>
-        </p:spPr>
-        <p:style>
-          <a:lnRef idx="2">
-            <a:schemeClr val="dk1"/>
-          </a:lnRef>
-          <a:fillRef idx="1">
-            <a:schemeClr val="lt1"/>
-          </a:fillRef>
-          <a:effectRef idx="0">
-            <a:schemeClr val="dk1"/>
-          </a:effectRef>
-          <a:fontRef idx="minor">
-            <a:schemeClr val="dk1"/>
-          </a:fontRef>
-        </p:style>
-        <p:txBody>
-          <a:bodyPr rtlCol="0" anchor="ctr"/>
-          <a:lstStyle/>
-          <a:p>
-            <a:pPr algn="ctr"/>
-            <a:r>
-              <a:rPr lang="en-US" altLang="ko-KR" sz="1200">
-                <a:solidFill>
-                  <a:sysClr val="windowText" lastClr="000000"/>
-                </a:solidFill>
-              </a:rPr>
-              <a:t>/proc/net</a:t>
-            </a:r>
-          </a:p>
-          <a:p>
-            <a:pPr algn="ctr"/>
-            <a:r>
-              <a:rPr lang="en-US" altLang="ko-KR" sz="1200">
-                <a:solidFill>
-                  <a:sysClr val="windowText" lastClr="000000"/>
-                </a:solidFill>
-              </a:rPr>
-              <a:t>/proc/sys/net</a:t>
-            </a:r>
-          </a:p>
-          <a:p>
-            <a:pPr algn="ctr"/>
-            <a:r>
-              <a:rPr lang="en-US" altLang="ko-KR" sz="1200">
-                <a:solidFill>
-                  <a:sysClr val="windowText" lastClr="000000"/>
-                </a:solidFill>
-              </a:rPr>
-              <a:t>/sys/class/net</a:t>
-            </a:r>
-          </a:p>
-        </p:txBody>
-      </p:sp>
       <p:cxnSp>
         <p:nvCxnSpPr>
           <p:cNvPr id="8" name="직선 연결선 7">
@@ -4596,15 +4189,16 @@
             </a:extLst>
           </p:cNvPr>
           <p:cNvCxnSpPr>
-            <a:stCxn id="24" idx="3"/>
+            <a:cxnSpLocks/>
+            <a:stCxn id="38" idx="1"/>
             <a:endCxn id="18" idx="3"/>
           </p:cNvCxnSpPr>
           <p:nvPr/>
         </p:nvCxnSpPr>
         <p:spPr>
           <a:xfrm flipH="1">
-            <a:off x="3878010" y="2242210"/>
-            <a:ext cx="847906" cy="0"/>
+            <a:off x="2742568" y="3874812"/>
+            <a:ext cx="792088" cy="0"/>
           </a:xfrm>
           <a:prstGeom prst="line">
             <a:avLst/>
@@ -4630,6 +4224,1068 @@
           </a:fontRef>
         </p:style>
       </p:cxnSp>
+      <p:sp>
+        <p:nvSpPr>
+          <p:cNvPr id="26" name="사각형: 둥근 모서리 25">
+            <a:extLst>
+              <a:ext uri="{FF2B5EF4-FFF2-40B4-BE49-F238E27FC236}">
+                <a16:creationId xmlns:a16="http://schemas.microsoft.com/office/drawing/2014/main" id="{EA27AD5A-083F-4483-935D-DDAE2FBAEB0D}"/>
+              </a:ext>
+            </a:extLst>
+          </p:cNvPr>
+          <p:cNvSpPr/>
+          <p:nvPr/>
+        </p:nvSpPr>
+        <p:spPr>
+          <a:xfrm>
+            <a:off x="3390641" y="843558"/>
+            <a:ext cx="2131009" cy="3744416"/>
+          </a:xfrm>
+          <a:prstGeom prst="roundRect">
+            <a:avLst>
+              <a:gd name="adj" fmla="val 2383"/>
+            </a:avLst>
+          </a:prstGeom>
+          <a:noFill/>
+          <a:ln>
+            <a:solidFill>
+              <a:schemeClr val="tx1"/>
+            </a:solidFill>
+            <a:prstDash val="solid"/>
+          </a:ln>
+        </p:spPr>
+        <p:style>
+          <a:lnRef idx="2">
+            <a:schemeClr val="dk1"/>
+          </a:lnRef>
+          <a:fillRef idx="1">
+            <a:schemeClr val="lt1"/>
+          </a:fillRef>
+          <a:effectRef idx="0">
+            <a:schemeClr val="dk1"/>
+          </a:effectRef>
+          <a:fontRef idx="minor">
+            <a:schemeClr val="dk1"/>
+          </a:fontRef>
+        </p:style>
+        <p:txBody>
+          <a:bodyPr rtlCol="0" anchor="b"/>
+          <a:lstStyle/>
+          <a:p>
+            <a:pPr algn="ctr"/>
+            <a:r>
+              <a:rPr lang="en-US" altLang="ko-KR" sz="1400">
+                <a:solidFill>
+                  <a:sysClr val="windowText" lastClr="000000"/>
+                </a:solidFill>
+              </a:rPr>
+              <a:t>Host</a:t>
+            </a:r>
+            <a:r>
+              <a:rPr lang="ko-KR" altLang="en-US" sz="1400">
+                <a:solidFill>
+                  <a:sysClr val="windowText" lastClr="000000"/>
+                </a:solidFill>
+              </a:rPr>
+              <a:t> </a:t>
+            </a:r>
+            <a:r>
+              <a:rPr lang="en-US" altLang="ko-KR" sz="1400">
+                <a:solidFill>
+                  <a:sysClr val="windowText" lastClr="000000"/>
+                </a:solidFill>
+              </a:rPr>
+              <a:t>Network Namespace</a:t>
+            </a:r>
+            <a:endParaRPr lang="ko-KR" altLang="en-US" sz="1400">
+              <a:solidFill>
+                <a:sysClr val="windowText" lastClr="000000"/>
+              </a:solidFill>
+            </a:endParaRPr>
+          </a:p>
+        </p:txBody>
+      </p:sp>
+      <p:sp>
+        <p:nvSpPr>
+          <p:cNvPr id="27" name="사각형: 둥근 모서리 26">
+            <a:extLst>
+              <a:ext uri="{FF2B5EF4-FFF2-40B4-BE49-F238E27FC236}">
+                <a16:creationId xmlns:a16="http://schemas.microsoft.com/office/drawing/2014/main" id="{3B39D09D-036D-428D-A3AA-23C7EF809A10}"/>
+              </a:ext>
+            </a:extLst>
+          </p:cNvPr>
+          <p:cNvSpPr/>
+          <p:nvPr/>
+        </p:nvSpPr>
+        <p:spPr>
+          <a:xfrm>
+            <a:off x="3534656" y="1621810"/>
+            <a:ext cx="1842977" cy="462548"/>
+          </a:xfrm>
+          <a:prstGeom prst="roundRect">
+            <a:avLst>
+              <a:gd name="adj" fmla="val 3674"/>
+            </a:avLst>
+          </a:prstGeom>
+          <a:noFill/>
+          <a:ln>
+            <a:solidFill>
+              <a:schemeClr val="tx1"/>
+            </a:solidFill>
+            <a:prstDash val="solid"/>
+          </a:ln>
+        </p:spPr>
+        <p:style>
+          <a:lnRef idx="2">
+            <a:schemeClr val="dk1"/>
+          </a:lnRef>
+          <a:fillRef idx="1">
+            <a:schemeClr val="lt1"/>
+          </a:fillRef>
+          <a:effectRef idx="0">
+            <a:schemeClr val="dk1"/>
+          </a:effectRef>
+          <a:fontRef idx="minor">
+            <a:schemeClr val="dk1"/>
+          </a:fontRef>
+        </p:style>
+        <p:txBody>
+          <a:bodyPr rtlCol="0" anchor="ctr"/>
+          <a:lstStyle/>
+          <a:p>
+            <a:pPr algn="ctr"/>
+            <a:r>
+              <a:rPr lang="en-US" altLang="ko-KR" sz="1200">
+                <a:solidFill>
+                  <a:sysClr val="windowText" lastClr="000000"/>
+                </a:solidFill>
+              </a:rPr>
+              <a:t>Socket</a:t>
+            </a:r>
+          </a:p>
+          <a:p>
+            <a:pPr algn="ctr"/>
+            <a:r>
+              <a:rPr lang="en-US" altLang="ko-KR" sz="1200">
+                <a:solidFill>
+                  <a:sysClr val="windowText" lastClr="000000"/>
+                </a:solidFill>
+              </a:rPr>
+              <a:t>(Port Number)</a:t>
+            </a:r>
+            <a:endParaRPr lang="ko-KR" altLang="en-US" sz="1200">
+              <a:solidFill>
+                <a:sysClr val="windowText" lastClr="000000"/>
+              </a:solidFill>
+            </a:endParaRPr>
+          </a:p>
+        </p:txBody>
+      </p:sp>
+      <p:sp>
+        <p:nvSpPr>
+          <p:cNvPr id="28" name="사각형: 둥근 모서리 27">
+            <a:extLst>
+              <a:ext uri="{FF2B5EF4-FFF2-40B4-BE49-F238E27FC236}">
+                <a16:creationId xmlns:a16="http://schemas.microsoft.com/office/drawing/2014/main" id="{211700E0-A54B-4681-A071-62427F89A8B2}"/>
+              </a:ext>
+            </a:extLst>
+          </p:cNvPr>
+          <p:cNvSpPr/>
+          <p:nvPr/>
+        </p:nvSpPr>
+        <p:spPr>
+          <a:xfrm>
+            <a:off x="3534656" y="1001410"/>
+            <a:ext cx="1842977" cy="462548"/>
+          </a:xfrm>
+          <a:prstGeom prst="roundRect">
+            <a:avLst>
+              <a:gd name="adj" fmla="val 3674"/>
+            </a:avLst>
+          </a:prstGeom>
+          <a:noFill/>
+          <a:ln>
+            <a:solidFill>
+              <a:schemeClr val="tx1"/>
+            </a:solidFill>
+            <a:prstDash val="solid"/>
+          </a:ln>
+        </p:spPr>
+        <p:style>
+          <a:lnRef idx="2">
+            <a:schemeClr val="dk1"/>
+          </a:lnRef>
+          <a:fillRef idx="1">
+            <a:schemeClr val="lt1"/>
+          </a:fillRef>
+          <a:effectRef idx="0">
+            <a:schemeClr val="dk1"/>
+          </a:effectRef>
+          <a:fontRef idx="minor">
+            <a:schemeClr val="dk1"/>
+          </a:fontRef>
+        </p:style>
+        <p:txBody>
+          <a:bodyPr rtlCol="0" anchor="ctr"/>
+          <a:lstStyle/>
+          <a:p>
+            <a:pPr algn="ctr"/>
+            <a:r>
+              <a:rPr lang="en-US" altLang="ko-KR" sz="1200">
+                <a:solidFill>
+                  <a:sysClr val="windowText" lastClr="000000"/>
+                </a:solidFill>
+              </a:rPr>
+              <a:t>Routing Table</a:t>
+            </a:r>
+            <a:endParaRPr lang="ko-KR" altLang="en-US" sz="1200">
+              <a:solidFill>
+                <a:sysClr val="windowText" lastClr="000000"/>
+              </a:solidFill>
+            </a:endParaRPr>
+          </a:p>
+        </p:txBody>
+      </p:sp>
+      <p:sp>
+        <p:nvSpPr>
+          <p:cNvPr id="29" name="사각형: 둥근 모서리 28">
+            <a:extLst>
+              <a:ext uri="{FF2B5EF4-FFF2-40B4-BE49-F238E27FC236}">
+                <a16:creationId xmlns:a16="http://schemas.microsoft.com/office/drawing/2014/main" id="{23074AF5-2082-413E-AEDF-C775A7E155D6}"/>
+              </a:ext>
+            </a:extLst>
+          </p:cNvPr>
+          <p:cNvSpPr/>
+          <p:nvPr/>
+        </p:nvSpPr>
+        <p:spPr>
+          <a:xfrm>
+            <a:off x="3534656" y="2242210"/>
+            <a:ext cx="1842977" cy="462548"/>
+          </a:xfrm>
+          <a:prstGeom prst="roundRect">
+            <a:avLst>
+              <a:gd name="adj" fmla="val 3674"/>
+            </a:avLst>
+          </a:prstGeom>
+          <a:noFill/>
+          <a:ln>
+            <a:solidFill>
+              <a:schemeClr val="tx1"/>
+            </a:solidFill>
+            <a:prstDash val="solid"/>
+          </a:ln>
+        </p:spPr>
+        <p:style>
+          <a:lnRef idx="2">
+            <a:schemeClr val="dk1"/>
+          </a:lnRef>
+          <a:fillRef idx="1">
+            <a:schemeClr val="lt1"/>
+          </a:fillRef>
+          <a:effectRef idx="0">
+            <a:schemeClr val="dk1"/>
+          </a:effectRef>
+          <a:fontRef idx="minor">
+            <a:schemeClr val="dk1"/>
+          </a:fontRef>
+        </p:style>
+        <p:txBody>
+          <a:bodyPr rtlCol="0" anchor="ctr"/>
+          <a:lstStyle/>
+          <a:p>
+            <a:pPr algn="ctr"/>
+            <a:r>
+              <a:rPr lang="en-US" altLang="ko-KR" sz="1200">
+                <a:solidFill>
+                  <a:sysClr val="windowText" lastClr="000000"/>
+                </a:solidFill>
+              </a:rPr>
+              <a:t>Netfilter</a:t>
+            </a:r>
+          </a:p>
+          <a:p>
+            <a:pPr algn="ctr"/>
+            <a:r>
+              <a:rPr lang="en-US" altLang="ko-KR" sz="1200">
+                <a:solidFill>
+                  <a:sysClr val="windowText" lastClr="000000"/>
+                </a:solidFill>
+              </a:rPr>
+              <a:t>(iptables, IPVS)</a:t>
+            </a:r>
+            <a:endParaRPr lang="ko-KR" altLang="en-US" sz="1200">
+              <a:solidFill>
+                <a:sysClr val="windowText" lastClr="000000"/>
+              </a:solidFill>
+            </a:endParaRPr>
+          </a:p>
+        </p:txBody>
+      </p:sp>
+      <p:sp>
+        <p:nvSpPr>
+          <p:cNvPr id="30" name="사각형: 둥근 모서리 29">
+            <a:extLst>
+              <a:ext uri="{FF2B5EF4-FFF2-40B4-BE49-F238E27FC236}">
+                <a16:creationId xmlns:a16="http://schemas.microsoft.com/office/drawing/2014/main" id="{1FD57CD0-F849-4FD3-8D83-B2666A389ABE}"/>
+              </a:ext>
+            </a:extLst>
+          </p:cNvPr>
+          <p:cNvSpPr/>
+          <p:nvPr/>
+        </p:nvSpPr>
+        <p:spPr>
+          <a:xfrm>
+            <a:off x="4621547" y="3665706"/>
+            <a:ext cx="756086" cy="418212"/>
+          </a:xfrm>
+          <a:prstGeom prst="roundRect">
+            <a:avLst>
+              <a:gd name="adj" fmla="val 3674"/>
+            </a:avLst>
+          </a:prstGeom>
+          <a:noFill/>
+          <a:ln>
+            <a:solidFill>
+              <a:schemeClr val="tx1"/>
+            </a:solidFill>
+            <a:prstDash val="solid"/>
+          </a:ln>
+        </p:spPr>
+        <p:style>
+          <a:lnRef idx="2">
+            <a:schemeClr val="dk1"/>
+          </a:lnRef>
+          <a:fillRef idx="1">
+            <a:schemeClr val="lt1"/>
+          </a:fillRef>
+          <a:effectRef idx="0">
+            <a:schemeClr val="dk1"/>
+          </a:effectRef>
+          <a:fontRef idx="minor">
+            <a:schemeClr val="dk1"/>
+          </a:fontRef>
+        </p:style>
+        <p:txBody>
+          <a:bodyPr rtlCol="0" anchor="ctr"/>
+          <a:lstStyle/>
+          <a:p>
+            <a:pPr algn="ctr"/>
+            <a:r>
+              <a:rPr lang="en-US" altLang="ko-KR" sz="1200"/>
+              <a:t>veth24ee3c6</a:t>
+            </a:r>
+          </a:p>
+        </p:txBody>
+      </p:sp>
+      <p:sp>
+        <p:nvSpPr>
+          <p:cNvPr id="31" name="사각형: 둥근 모서리 30">
+            <a:extLst>
+              <a:ext uri="{FF2B5EF4-FFF2-40B4-BE49-F238E27FC236}">
+                <a16:creationId xmlns:a16="http://schemas.microsoft.com/office/drawing/2014/main" id="{38C2733A-9342-4599-A4D2-E4AAC43F5AE1}"/>
+              </a:ext>
+            </a:extLst>
+          </p:cNvPr>
+          <p:cNvSpPr/>
+          <p:nvPr/>
+        </p:nvSpPr>
+        <p:spPr>
+          <a:xfrm>
+            <a:off x="3534656" y="2862610"/>
+            <a:ext cx="1842977" cy="645244"/>
+          </a:xfrm>
+          <a:prstGeom prst="roundRect">
+            <a:avLst>
+              <a:gd name="adj" fmla="val 3674"/>
+            </a:avLst>
+          </a:prstGeom>
+          <a:noFill/>
+          <a:ln>
+            <a:solidFill>
+              <a:schemeClr val="tx1"/>
+            </a:solidFill>
+            <a:prstDash val="solid"/>
+          </a:ln>
+        </p:spPr>
+        <p:style>
+          <a:lnRef idx="2">
+            <a:schemeClr val="dk1"/>
+          </a:lnRef>
+          <a:fillRef idx="1">
+            <a:schemeClr val="lt1"/>
+          </a:fillRef>
+          <a:effectRef idx="0">
+            <a:schemeClr val="dk1"/>
+          </a:effectRef>
+          <a:fontRef idx="minor">
+            <a:schemeClr val="dk1"/>
+          </a:fontRef>
+        </p:style>
+        <p:txBody>
+          <a:bodyPr rtlCol="0" anchor="ctr"/>
+          <a:lstStyle/>
+          <a:p>
+            <a:pPr algn="ctr"/>
+            <a:r>
+              <a:rPr lang="en-US" altLang="ko-KR" sz="1200">
+                <a:solidFill>
+                  <a:sysClr val="windowText" lastClr="000000"/>
+                </a:solidFill>
+              </a:rPr>
+              <a:t>/proc/net</a:t>
+            </a:r>
+          </a:p>
+          <a:p>
+            <a:pPr algn="ctr"/>
+            <a:r>
+              <a:rPr lang="en-US" altLang="ko-KR" sz="1200">
+                <a:solidFill>
+                  <a:sysClr val="windowText" lastClr="000000"/>
+                </a:solidFill>
+              </a:rPr>
+              <a:t>/proc/sys/net</a:t>
+            </a:r>
+          </a:p>
+          <a:p>
+            <a:pPr algn="ctr"/>
+            <a:r>
+              <a:rPr lang="en-US" altLang="ko-KR" sz="1200">
+                <a:solidFill>
+                  <a:sysClr val="windowText" lastClr="000000"/>
+                </a:solidFill>
+              </a:rPr>
+              <a:t>/sys/class/net</a:t>
+            </a:r>
+          </a:p>
+        </p:txBody>
+      </p:sp>
+      <p:sp>
+        <p:nvSpPr>
+          <p:cNvPr id="32" name="사각형: 둥근 모서리 31">
+            <a:extLst>
+              <a:ext uri="{FF2B5EF4-FFF2-40B4-BE49-F238E27FC236}">
+                <a16:creationId xmlns:a16="http://schemas.microsoft.com/office/drawing/2014/main" id="{B604BC3D-3C9A-405F-A1B9-9010EBE784E6}"/>
+              </a:ext>
+            </a:extLst>
+          </p:cNvPr>
+          <p:cNvSpPr/>
+          <p:nvPr/>
+        </p:nvSpPr>
+        <p:spPr>
+          <a:xfrm>
+            <a:off x="6025706" y="843558"/>
+            <a:ext cx="2131009" cy="3744416"/>
+          </a:xfrm>
+          <a:prstGeom prst="roundRect">
+            <a:avLst>
+              <a:gd name="adj" fmla="val 2383"/>
+            </a:avLst>
+          </a:prstGeom>
+          <a:noFill/>
+          <a:ln>
+            <a:solidFill>
+              <a:schemeClr val="tx1"/>
+            </a:solidFill>
+            <a:prstDash val="solid"/>
+          </a:ln>
+        </p:spPr>
+        <p:style>
+          <a:lnRef idx="2">
+            <a:schemeClr val="dk1"/>
+          </a:lnRef>
+          <a:fillRef idx="1">
+            <a:schemeClr val="lt1"/>
+          </a:fillRef>
+          <a:effectRef idx="0">
+            <a:schemeClr val="dk1"/>
+          </a:effectRef>
+          <a:fontRef idx="minor">
+            <a:schemeClr val="dk1"/>
+          </a:fontRef>
+        </p:style>
+        <p:txBody>
+          <a:bodyPr rtlCol="0" anchor="b"/>
+          <a:lstStyle/>
+          <a:p>
+            <a:pPr algn="ctr"/>
+            <a:r>
+              <a:rPr lang="en-US" altLang="ko-KR" sz="1400">
+                <a:solidFill>
+                  <a:sysClr val="windowText" lastClr="000000"/>
+                </a:solidFill>
+              </a:rPr>
+              <a:t>netshoot_b Container</a:t>
+            </a:r>
+          </a:p>
+          <a:p>
+            <a:pPr algn="ctr"/>
+            <a:r>
+              <a:rPr lang="en-US" altLang="ko-KR" sz="1400">
+                <a:solidFill>
+                  <a:sysClr val="windowText" lastClr="000000"/>
+                </a:solidFill>
+              </a:rPr>
+              <a:t>Network Namespace</a:t>
+            </a:r>
+            <a:endParaRPr lang="ko-KR" altLang="en-US" sz="1400">
+              <a:solidFill>
+                <a:sysClr val="windowText" lastClr="000000"/>
+              </a:solidFill>
+            </a:endParaRPr>
+          </a:p>
+        </p:txBody>
+      </p:sp>
+      <p:sp>
+        <p:nvSpPr>
+          <p:cNvPr id="33" name="사각형: 둥근 모서리 32">
+            <a:extLst>
+              <a:ext uri="{FF2B5EF4-FFF2-40B4-BE49-F238E27FC236}">
+                <a16:creationId xmlns:a16="http://schemas.microsoft.com/office/drawing/2014/main" id="{BC2AD1C8-7AF6-47AE-A71E-45DD916C1C16}"/>
+              </a:ext>
+            </a:extLst>
+          </p:cNvPr>
+          <p:cNvSpPr/>
+          <p:nvPr/>
+        </p:nvSpPr>
+        <p:spPr>
+          <a:xfrm>
+            <a:off x="6169721" y="1621810"/>
+            <a:ext cx="1842977" cy="462548"/>
+          </a:xfrm>
+          <a:prstGeom prst="roundRect">
+            <a:avLst>
+              <a:gd name="adj" fmla="val 3674"/>
+            </a:avLst>
+          </a:prstGeom>
+          <a:noFill/>
+          <a:ln>
+            <a:solidFill>
+              <a:schemeClr val="tx1"/>
+            </a:solidFill>
+            <a:prstDash val="solid"/>
+          </a:ln>
+        </p:spPr>
+        <p:style>
+          <a:lnRef idx="2">
+            <a:schemeClr val="dk1"/>
+          </a:lnRef>
+          <a:fillRef idx="1">
+            <a:schemeClr val="lt1"/>
+          </a:fillRef>
+          <a:effectRef idx="0">
+            <a:schemeClr val="dk1"/>
+          </a:effectRef>
+          <a:fontRef idx="minor">
+            <a:schemeClr val="dk1"/>
+          </a:fontRef>
+        </p:style>
+        <p:txBody>
+          <a:bodyPr rtlCol="0" anchor="ctr"/>
+          <a:lstStyle/>
+          <a:p>
+            <a:pPr algn="ctr"/>
+            <a:r>
+              <a:rPr lang="en-US" altLang="ko-KR" sz="1200">
+                <a:solidFill>
+                  <a:sysClr val="windowText" lastClr="000000"/>
+                </a:solidFill>
+              </a:rPr>
+              <a:t>Socket</a:t>
+            </a:r>
+          </a:p>
+          <a:p>
+            <a:pPr algn="ctr"/>
+            <a:r>
+              <a:rPr lang="en-US" altLang="ko-KR" sz="1200">
+                <a:solidFill>
+                  <a:sysClr val="windowText" lastClr="000000"/>
+                </a:solidFill>
+              </a:rPr>
+              <a:t>(Port Number)</a:t>
+            </a:r>
+            <a:endParaRPr lang="ko-KR" altLang="en-US" sz="1200">
+              <a:solidFill>
+                <a:sysClr val="windowText" lastClr="000000"/>
+              </a:solidFill>
+            </a:endParaRPr>
+          </a:p>
+        </p:txBody>
+      </p:sp>
+      <p:sp>
+        <p:nvSpPr>
+          <p:cNvPr id="34" name="사각형: 둥근 모서리 33">
+            <a:extLst>
+              <a:ext uri="{FF2B5EF4-FFF2-40B4-BE49-F238E27FC236}">
+                <a16:creationId xmlns:a16="http://schemas.microsoft.com/office/drawing/2014/main" id="{DA9D1E1D-406A-48A0-9925-99117B8FB191}"/>
+              </a:ext>
+            </a:extLst>
+          </p:cNvPr>
+          <p:cNvSpPr/>
+          <p:nvPr/>
+        </p:nvSpPr>
+        <p:spPr>
+          <a:xfrm>
+            <a:off x="6169721" y="1001410"/>
+            <a:ext cx="1842977" cy="462548"/>
+          </a:xfrm>
+          <a:prstGeom prst="roundRect">
+            <a:avLst>
+              <a:gd name="adj" fmla="val 3674"/>
+            </a:avLst>
+          </a:prstGeom>
+          <a:noFill/>
+          <a:ln>
+            <a:solidFill>
+              <a:schemeClr val="tx1"/>
+            </a:solidFill>
+            <a:prstDash val="solid"/>
+          </a:ln>
+        </p:spPr>
+        <p:style>
+          <a:lnRef idx="2">
+            <a:schemeClr val="dk1"/>
+          </a:lnRef>
+          <a:fillRef idx="1">
+            <a:schemeClr val="lt1"/>
+          </a:fillRef>
+          <a:effectRef idx="0">
+            <a:schemeClr val="dk1"/>
+          </a:effectRef>
+          <a:fontRef idx="minor">
+            <a:schemeClr val="dk1"/>
+          </a:fontRef>
+        </p:style>
+        <p:txBody>
+          <a:bodyPr rtlCol="0" anchor="ctr"/>
+          <a:lstStyle/>
+          <a:p>
+            <a:pPr algn="ctr"/>
+            <a:r>
+              <a:rPr lang="en-US" altLang="ko-KR" sz="1200">
+                <a:solidFill>
+                  <a:sysClr val="windowText" lastClr="000000"/>
+                </a:solidFill>
+              </a:rPr>
+              <a:t>Routing Table</a:t>
+            </a:r>
+            <a:endParaRPr lang="ko-KR" altLang="en-US" sz="1200">
+              <a:solidFill>
+                <a:sysClr val="windowText" lastClr="000000"/>
+              </a:solidFill>
+            </a:endParaRPr>
+          </a:p>
+        </p:txBody>
+      </p:sp>
+      <p:sp>
+        <p:nvSpPr>
+          <p:cNvPr id="35" name="사각형: 둥근 모서리 34">
+            <a:extLst>
+              <a:ext uri="{FF2B5EF4-FFF2-40B4-BE49-F238E27FC236}">
+                <a16:creationId xmlns:a16="http://schemas.microsoft.com/office/drawing/2014/main" id="{94563C71-6AAD-4388-BA71-B22B91A85C10}"/>
+              </a:ext>
+            </a:extLst>
+          </p:cNvPr>
+          <p:cNvSpPr/>
+          <p:nvPr/>
+        </p:nvSpPr>
+        <p:spPr>
+          <a:xfrm>
+            <a:off x="6169721" y="2242210"/>
+            <a:ext cx="1842977" cy="462548"/>
+          </a:xfrm>
+          <a:prstGeom prst="roundRect">
+            <a:avLst>
+              <a:gd name="adj" fmla="val 3674"/>
+            </a:avLst>
+          </a:prstGeom>
+          <a:noFill/>
+          <a:ln>
+            <a:solidFill>
+              <a:schemeClr val="tx1"/>
+            </a:solidFill>
+            <a:prstDash val="solid"/>
+          </a:ln>
+        </p:spPr>
+        <p:style>
+          <a:lnRef idx="2">
+            <a:schemeClr val="dk1"/>
+          </a:lnRef>
+          <a:fillRef idx="1">
+            <a:schemeClr val="lt1"/>
+          </a:fillRef>
+          <a:effectRef idx="0">
+            <a:schemeClr val="dk1"/>
+          </a:effectRef>
+          <a:fontRef idx="minor">
+            <a:schemeClr val="dk1"/>
+          </a:fontRef>
+        </p:style>
+        <p:txBody>
+          <a:bodyPr rtlCol="0" anchor="ctr"/>
+          <a:lstStyle/>
+          <a:p>
+            <a:pPr algn="ctr"/>
+            <a:r>
+              <a:rPr lang="en-US" altLang="ko-KR" sz="1200">
+                <a:solidFill>
+                  <a:sysClr val="windowText" lastClr="000000"/>
+                </a:solidFill>
+              </a:rPr>
+              <a:t>Netfilter</a:t>
+            </a:r>
+          </a:p>
+          <a:p>
+            <a:pPr algn="ctr"/>
+            <a:r>
+              <a:rPr lang="en-US" altLang="ko-KR" sz="1200">
+                <a:solidFill>
+                  <a:sysClr val="windowText" lastClr="000000"/>
+                </a:solidFill>
+              </a:rPr>
+              <a:t>(iptables, IPVS)</a:t>
+            </a:r>
+            <a:endParaRPr lang="ko-KR" altLang="en-US" sz="1200">
+              <a:solidFill>
+                <a:sysClr val="windowText" lastClr="000000"/>
+              </a:solidFill>
+            </a:endParaRPr>
+          </a:p>
+        </p:txBody>
+      </p:sp>
+      <p:sp>
+        <p:nvSpPr>
+          <p:cNvPr id="36" name="사각형: 둥근 모서리 35">
+            <a:extLst>
+              <a:ext uri="{FF2B5EF4-FFF2-40B4-BE49-F238E27FC236}">
+                <a16:creationId xmlns:a16="http://schemas.microsoft.com/office/drawing/2014/main" id="{E186F4EB-E67D-4709-B03F-ACC05EA76C07}"/>
+              </a:ext>
+            </a:extLst>
+          </p:cNvPr>
+          <p:cNvSpPr/>
+          <p:nvPr/>
+        </p:nvSpPr>
+        <p:spPr>
+          <a:xfrm>
+            <a:off x="6169721" y="3665706"/>
+            <a:ext cx="756086" cy="418212"/>
+          </a:xfrm>
+          <a:prstGeom prst="roundRect">
+            <a:avLst>
+              <a:gd name="adj" fmla="val 3674"/>
+            </a:avLst>
+          </a:prstGeom>
+          <a:noFill/>
+          <a:ln>
+            <a:solidFill>
+              <a:schemeClr val="tx1"/>
+            </a:solidFill>
+            <a:prstDash val="solid"/>
+          </a:ln>
+        </p:spPr>
+        <p:style>
+          <a:lnRef idx="2">
+            <a:schemeClr val="dk1"/>
+          </a:lnRef>
+          <a:fillRef idx="1">
+            <a:schemeClr val="lt1"/>
+          </a:fillRef>
+          <a:effectRef idx="0">
+            <a:schemeClr val="dk1"/>
+          </a:effectRef>
+          <a:fontRef idx="minor">
+            <a:schemeClr val="dk1"/>
+          </a:fontRef>
+        </p:style>
+        <p:txBody>
+          <a:bodyPr rtlCol="0" anchor="ctr"/>
+          <a:lstStyle/>
+          <a:p>
+            <a:pPr algn="ctr"/>
+            <a:r>
+              <a:rPr lang="en-US" altLang="ko-KR" sz="1200">
+                <a:solidFill>
+                  <a:sysClr val="windowText" lastClr="000000"/>
+                </a:solidFill>
+              </a:rPr>
+              <a:t>eth0</a:t>
+            </a:r>
+          </a:p>
+          <a:p>
+            <a:pPr algn="ctr"/>
+            <a:r>
+              <a:rPr lang="en-US" altLang="ko-KR" sz="1200">
+                <a:solidFill>
+                  <a:sysClr val="windowText" lastClr="000000"/>
+                </a:solidFill>
+              </a:rPr>
+              <a:t>(veth)</a:t>
+            </a:r>
+            <a:endParaRPr lang="ko-KR" altLang="en-US" sz="1200">
+              <a:solidFill>
+                <a:sysClr val="windowText" lastClr="000000"/>
+              </a:solidFill>
+            </a:endParaRPr>
+          </a:p>
+        </p:txBody>
+      </p:sp>
+      <p:sp>
+        <p:nvSpPr>
+          <p:cNvPr id="37" name="사각형: 둥근 모서리 36">
+            <a:extLst>
+              <a:ext uri="{FF2B5EF4-FFF2-40B4-BE49-F238E27FC236}">
+                <a16:creationId xmlns:a16="http://schemas.microsoft.com/office/drawing/2014/main" id="{F96AC4AF-9E0D-4B6F-AF3E-FDBD9A8357C4}"/>
+              </a:ext>
+            </a:extLst>
+          </p:cNvPr>
+          <p:cNvSpPr/>
+          <p:nvPr/>
+        </p:nvSpPr>
+        <p:spPr>
+          <a:xfrm>
+            <a:off x="6169721" y="2862610"/>
+            <a:ext cx="1842977" cy="645244"/>
+          </a:xfrm>
+          <a:prstGeom prst="roundRect">
+            <a:avLst>
+              <a:gd name="adj" fmla="val 3674"/>
+            </a:avLst>
+          </a:prstGeom>
+          <a:noFill/>
+          <a:ln>
+            <a:solidFill>
+              <a:schemeClr val="tx1"/>
+            </a:solidFill>
+            <a:prstDash val="solid"/>
+          </a:ln>
+        </p:spPr>
+        <p:style>
+          <a:lnRef idx="2">
+            <a:schemeClr val="dk1"/>
+          </a:lnRef>
+          <a:fillRef idx="1">
+            <a:schemeClr val="lt1"/>
+          </a:fillRef>
+          <a:effectRef idx="0">
+            <a:schemeClr val="dk1"/>
+          </a:effectRef>
+          <a:fontRef idx="minor">
+            <a:schemeClr val="dk1"/>
+          </a:fontRef>
+        </p:style>
+        <p:txBody>
+          <a:bodyPr rtlCol="0" anchor="ctr"/>
+          <a:lstStyle/>
+          <a:p>
+            <a:pPr algn="ctr"/>
+            <a:r>
+              <a:rPr lang="en-US" altLang="ko-KR" sz="1200">
+                <a:solidFill>
+                  <a:sysClr val="windowText" lastClr="000000"/>
+                </a:solidFill>
+              </a:rPr>
+              <a:t>/proc/net</a:t>
+            </a:r>
+          </a:p>
+          <a:p>
+            <a:pPr algn="ctr"/>
+            <a:r>
+              <a:rPr lang="en-US" altLang="ko-KR" sz="1200">
+                <a:solidFill>
+                  <a:sysClr val="windowText" lastClr="000000"/>
+                </a:solidFill>
+              </a:rPr>
+              <a:t>/proc/sys/net</a:t>
+            </a:r>
+          </a:p>
+          <a:p>
+            <a:pPr algn="ctr"/>
+            <a:r>
+              <a:rPr lang="en-US" altLang="ko-KR" sz="1200">
+                <a:solidFill>
+                  <a:sysClr val="windowText" lastClr="000000"/>
+                </a:solidFill>
+              </a:rPr>
+              <a:t>/sys/class/net</a:t>
+            </a:r>
+          </a:p>
+        </p:txBody>
+      </p:sp>
+      <p:sp>
+        <p:nvSpPr>
+          <p:cNvPr id="38" name="사각형: 둥근 모서리 37">
+            <a:extLst>
+              <a:ext uri="{FF2B5EF4-FFF2-40B4-BE49-F238E27FC236}">
+                <a16:creationId xmlns:a16="http://schemas.microsoft.com/office/drawing/2014/main" id="{4B68B599-8E1D-4488-A281-E1D0F62486A6}"/>
+              </a:ext>
+            </a:extLst>
+          </p:cNvPr>
+          <p:cNvSpPr/>
+          <p:nvPr/>
+        </p:nvSpPr>
+        <p:spPr>
+          <a:xfrm>
+            <a:off x="3534656" y="3665706"/>
+            <a:ext cx="736352" cy="418212"/>
+          </a:xfrm>
+          <a:prstGeom prst="roundRect">
+            <a:avLst>
+              <a:gd name="adj" fmla="val 3674"/>
+            </a:avLst>
+          </a:prstGeom>
+          <a:noFill/>
+          <a:ln>
+            <a:solidFill>
+              <a:schemeClr val="tx1"/>
+            </a:solidFill>
+            <a:prstDash val="solid"/>
+          </a:ln>
+        </p:spPr>
+        <p:style>
+          <a:lnRef idx="2">
+            <a:schemeClr val="dk1"/>
+          </a:lnRef>
+          <a:fillRef idx="1">
+            <a:schemeClr val="lt1"/>
+          </a:fillRef>
+          <a:effectRef idx="0">
+            <a:schemeClr val="dk1"/>
+          </a:effectRef>
+          <a:fontRef idx="minor">
+            <a:schemeClr val="dk1"/>
+          </a:fontRef>
+        </p:style>
+        <p:txBody>
+          <a:bodyPr rtlCol="0" anchor="ctr"/>
+          <a:lstStyle/>
+          <a:p>
+            <a:pPr algn="ctr"/>
+            <a:r>
+              <a:rPr lang="en-US" altLang="ko-KR" sz="1200"/>
+              <a:t>veth08fe05e</a:t>
+            </a:r>
+          </a:p>
+        </p:txBody>
+      </p:sp>
+      <p:cxnSp>
+        <p:nvCxnSpPr>
+          <p:cNvPr id="40" name="직선 연결선 39">
+            <a:extLst>
+              <a:ext uri="{FF2B5EF4-FFF2-40B4-BE49-F238E27FC236}">
+                <a16:creationId xmlns:a16="http://schemas.microsoft.com/office/drawing/2014/main" id="{9F3F0145-4567-4EED-A851-61A8C9D189F0}"/>
+              </a:ext>
+            </a:extLst>
+          </p:cNvPr>
+          <p:cNvCxnSpPr>
+            <a:cxnSpLocks/>
+            <a:stCxn id="36" idx="1"/>
+            <a:endCxn id="30" idx="3"/>
+          </p:cNvCxnSpPr>
+          <p:nvPr/>
+        </p:nvCxnSpPr>
+        <p:spPr>
+          <a:xfrm flipH="1">
+            <a:off x="5377633" y="3874812"/>
+            <a:ext cx="792088" cy="0"/>
+          </a:xfrm>
+          <a:prstGeom prst="line">
+            <a:avLst/>
+          </a:prstGeom>
+          <a:ln w="19050">
+            <a:solidFill>
+              <a:schemeClr val="tx1"/>
+            </a:solidFill>
+          </a:ln>
+        </p:spPr>
+        <p:style>
+          <a:lnRef idx="1">
+            <a:schemeClr val="accent1"/>
+          </a:lnRef>
+          <a:fillRef idx="0">
+            <a:schemeClr val="accent1"/>
+          </a:fillRef>
+          <a:effectRef idx="0">
+            <a:schemeClr val="accent1"/>
+          </a:effectRef>
+          <a:fontRef idx="minor">
+            <a:schemeClr val="tx1"/>
+          </a:fontRef>
+        </p:style>
+      </p:cxnSp>
+      <p:sp>
+        <p:nvSpPr>
+          <p:cNvPr id="44" name="TextBox 43">
+            <a:extLst>
+              <a:ext uri="{FF2B5EF4-FFF2-40B4-BE49-F238E27FC236}">
+                <a16:creationId xmlns:a16="http://schemas.microsoft.com/office/drawing/2014/main" id="{1578B5C8-3E7A-4109-87EC-E495F7176B36}"/>
+              </a:ext>
+            </a:extLst>
+          </p:cNvPr>
+          <p:cNvSpPr txBox="1"/>
+          <p:nvPr/>
+        </p:nvSpPr>
+        <p:spPr>
+          <a:xfrm>
+            <a:off x="1106113" y="3705908"/>
+            <a:ext cx="880369" cy="276999"/>
+          </a:xfrm>
+          <a:prstGeom prst="rect">
+            <a:avLst/>
+          </a:prstGeom>
+          <a:noFill/>
+        </p:spPr>
+        <p:txBody>
+          <a:bodyPr wrap="none" rtlCol="0">
+            <a:spAutoFit/>
+          </a:bodyPr>
+          <a:lstStyle/>
+          <a:p>
+            <a:pPr algn="ctr"/>
+            <a:r>
+              <a:rPr lang="en-US" altLang="ko-KR" sz="1200"/>
+              <a:t>172.17.0.4</a:t>
+            </a:r>
+            <a:endParaRPr lang="ko-KR" altLang="en-US" sz="1200"/>
+          </a:p>
+        </p:txBody>
+      </p:sp>
+      <p:sp>
+        <p:nvSpPr>
+          <p:cNvPr id="45" name="TextBox 44">
+            <a:extLst>
+              <a:ext uri="{FF2B5EF4-FFF2-40B4-BE49-F238E27FC236}">
+                <a16:creationId xmlns:a16="http://schemas.microsoft.com/office/drawing/2014/main" id="{F141BB7F-4902-413C-AE23-3CCA02C3BF34}"/>
+              </a:ext>
+            </a:extLst>
+          </p:cNvPr>
+          <p:cNvSpPr txBox="1"/>
+          <p:nvPr/>
+        </p:nvSpPr>
+        <p:spPr>
+          <a:xfrm>
+            <a:off x="6925807" y="3705908"/>
+            <a:ext cx="880369" cy="276999"/>
+          </a:xfrm>
+          <a:prstGeom prst="rect">
+            <a:avLst/>
+          </a:prstGeom>
+          <a:noFill/>
+        </p:spPr>
+        <p:txBody>
+          <a:bodyPr wrap="none" rtlCol="0">
+            <a:spAutoFit/>
+          </a:bodyPr>
+          <a:lstStyle/>
+          <a:p>
+            <a:pPr algn="ctr"/>
+            <a:r>
+              <a:rPr lang="en-US" altLang="ko-KR" sz="1200"/>
+              <a:t>172.17.0.3</a:t>
+            </a:r>
+            <a:endParaRPr lang="ko-KR" altLang="en-US" sz="1200"/>
+          </a:p>
+        </p:txBody>
+      </p:sp>
     </p:spTree>
     <p:extLst>
       <p:ext uri="{BB962C8B-B14F-4D97-AF65-F5344CB8AC3E}">
